--- a/python3字符串和文本.pptx
+++ b/python3字符串和文本.pptx
@@ -125,6 +125,22 @@
       </a:defRPr>
     </a:lvl9pPr>
   </p:defaultTextStyle>
+  <p:extLst>
+    <p:ext uri="{EFAFB233-063F-42B5-8137-9DF3F51BA10A}">
+      <p15:sldGuideLst xmlns:p15="http://schemas.microsoft.com/office/powerpoint/2012/main">
+        <p15:guide id="1" orient="horz" pos="2160">
+          <p15:clr>
+            <a:srgbClr val="A4A3A4"/>
+          </p15:clr>
+        </p15:guide>
+        <p15:guide id="2" pos="2880">
+          <p15:clr>
+            <a:srgbClr val="A4A3A4"/>
+          </p15:clr>
+        </p15:guide>
+      </p15:sldGuideLst>
+    </p:ext>
+  </p:extLst>
 </p:presentation>
 </file>
 
@@ -373,7 +389,7 @@
           <a:p>
             <a:fld id="{A1A61995-FFE1-4DCD-B405-46BA89C8AFD5}" type="datetimeFigureOut">
               <a:rPr lang="zh-CN" altLang="en-US" smtClean="0"/>
-              <a:t>2018/5/4</a:t>
+              <a:t>2018/5/5</a:t>
             </a:fld>
             <a:endParaRPr lang="zh-CN" altLang="en-US"/>
           </a:p>
@@ -538,7 +554,7 @@
           <a:p>
             <a:fld id="{A1A61995-FFE1-4DCD-B405-46BA89C8AFD5}" type="datetimeFigureOut">
               <a:rPr lang="zh-CN" altLang="en-US" smtClean="0"/>
-              <a:t>2018/5/4</a:t>
+              <a:t>2018/5/5</a:t>
             </a:fld>
             <a:endParaRPr lang="zh-CN" altLang="en-US"/>
           </a:p>
@@ -777,7 +793,7 @@
           <a:p>
             <a:fld id="{A1A61995-FFE1-4DCD-B405-46BA89C8AFD5}" type="datetimeFigureOut">
               <a:rPr lang="zh-CN" altLang="en-US" smtClean="0"/>
-              <a:t>2018/5/4</a:t>
+              <a:t>2018/5/5</a:t>
             </a:fld>
             <a:endParaRPr lang="zh-CN" altLang="en-US"/>
           </a:p>
@@ -1011,7 +1027,7 @@
           <a:p>
             <a:fld id="{A1A61995-FFE1-4DCD-B405-46BA89C8AFD5}" type="datetimeFigureOut">
               <a:rPr lang="zh-CN" altLang="en-US" smtClean="0"/>
-              <a:t>2018/5/4</a:t>
+              <a:t>2018/5/5</a:t>
             </a:fld>
             <a:endParaRPr lang="zh-CN" altLang="en-US"/>
           </a:p>
@@ -1350,7 +1366,7 @@
           <a:p>
             <a:fld id="{A1A61995-FFE1-4DCD-B405-46BA89C8AFD5}" type="datetimeFigureOut">
               <a:rPr lang="zh-CN" altLang="en-US" smtClean="0"/>
-              <a:t>2018/5/4</a:t>
+              <a:t>2018/5/5</a:t>
             </a:fld>
             <a:endParaRPr lang="zh-CN" altLang="en-US"/>
           </a:p>
@@ -1697,7 +1713,7 @@
           <a:p>
             <a:fld id="{A1A61995-FFE1-4DCD-B405-46BA89C8AFD5}" type="datetimeFigureOut">
               <a:rPr lang="zh-CN" altLang="en-US" smtClean="0"/>
-              <a:t>2018/5/4</a:t>
+              <a:t>2018/5/5</a:t>
             </a:fld>
             <a:endParaRPr lang="zh-CN" altLang="en-US"/>
           </a:p>
@@ -2258,7 +2274,7 @@
           <a:p>
             <a:fld id="{A1A61995-FFE1-4DCD-B405-46BA89C8AFD5}" type="datetimeFigureOut">
               <a:rPr lang="zh-CN" altLang="en-US" smtClean="0"/>
-              <a:t>2018/5/4</a:t>
+              <a:t>2018/5/5</a:t>
             </a:fld>
             <a:endParaRPr lang="zh-CN" altLang="en-US"/>
           </a:p>
@@ -2435,7 +2451,7 @@
           <a:p>
             <a:fld id="{A1A61995-FFE1-4DCD-B405-46BA89C8AFD5}" type="datetimeFigureOut">
               <a:rPr lang="zh-CN" altLang="en-US" smtClean="0"/>
-              <a:t>2018/5/4</a:t>
+              <a:t>2018/5/5</a:t>
             </a:fld>
             <a:endParaRPr lang="zh-CN" altLang="en-US"/>
           </a:p>
@@ -2530,7 +2546,7 @@
           <a:p>
             <a:fld id="{A1A61995-FFE1-4DCD-B405-46BA89C8AFD5}" type="datetimeFigureOut">
               <a:rPr lang="zh-CN" altLang="en-US" smtClean="0"/>
-              <a:t>2018/5/4</a:t>
+              <a:t>2018/5/5</a:t>
             </a:fld>
             <a:endParaRPr lang="zh-CN" altLang="en-US"/>
           </a:p>
@@ -2895,7 +2911,7 @@
           <a:p>
             <a:fld id="{A1A61995-FFE1-4DCD-B405-46BA89C8AFD5}" type="datetimeFigureOut">
               <a:rPr lang="zh-CN" altLang="en-US" smtClean="0"/>
-              <a:t>2018/5/4</a:t>
+              <a:t>2018/5/5</a:t>
             </a:fld>
             <a:endParaRPr lang="zh-CN" altLang="en-US"/>
           </a:p>
@@ -3239,7 +3255,7 @@
           <a:p>
             <a:fld id="{A1A61995-FFE1-4DCD-B405-46BA89C8AFD5}" type="datetimeFigureOut">
               <a:rPr lang="zh-CN" altLang="en-US" smtClean="0"/>
-              <a:t>2018/5/4</a:t>
+              <a:t>2018/5/5</a:t>
             </a:fld>
             <a:endParaRPr lang="zh-CN" altLang="en-US"/>
           </a:p>
@@ -3510,7 +3526,7 @@
           <a:p>
             <a:fld id="{A1A61995-FFE1-4DCD-B405-46BA89C8AFD5}" type="datetimeFigureOut">
               <a:rPr lang="zh-CN" altLang="en-US" smtClean="0"/>
-              <a:t>2018/5/4</a:t>
+              <a:t>2018/5/5</a:t>
             </a:fld>
             <a:endParaRPr lang="zh-CN" altLang="en-US"/>
           </a:p>
@@ -4086,6 +4102,13 @@
   <p:clrMapOvr>
     <a:masterClrMapping/>
   </p:clrMapOvr>
+  <p:timing>
+    <p:tnLst>
+      <p:par>
+        <p:cTn id="1" dur="indefinite" restart="never" nodeType="tmRoot"/>
+      </p:par>
+    </p:tnLst>
+  </p:timing>
 </p:sld>
 </file>
 
@@ -5150,14 +5173,7 @@
                 <a:latin typeface="华文楷体" panose="02010600040101010101" pitchFamily="2" charset="-122"/>
                 <a:ea typeface="华文楷体" panose="02010600040101010101" pitchFamily="2" charset="-122"/>
               </a:rPr>
-              <a:t>()</a:t>
-            </a:r>
-            <a:r>
-              <a:rPr lang="en-US" altLang="zh-CN" sz="1600" dirty="0">
-                <a:latin typeface="华文楷体" panose="02010600040101010101" pitchFamily="2" charset="-122"/>
-                <a:ea typeface="华文楷体" panose="02010600040101010101" pitchFamily="2" charset="-122"/>
-              </a:rPr>
-              <a:t> </a:t>
+              <a:t>() </a:t>
             </a:r>
             <a:r>
               <a:rPr lang="zh-CN" altLang="en-US" sz="1600" dirty="0">
@@ -7303,39 +7319,90 @@
           </a:p>
         </p:txBody>
       </p:sp>
-      <p:pic>
-        <p:nvPicPr>
-          <p:cNvPr id="7" name="2.1.gif">
-            <a:hlinkClick r:id="" action="ppaction://media"/>
+      <p:sp>
+        <p:nvSpPr>
+          <p:cNvPr id="3" name="操作按钮: 影片 2">
+            <a:hlinkClick r:id="rId2" action="ppaction://hlinkfile" highlightClick="1"/>
           </p:cNvPr>
-          <p:cNvPicPr>
-            <a:picLocks noChangeAspect="1"/>
-          </p:cNvPicPr>
-          <p:nvPr>
-            <a:videoFile r:link="rId2"/>
-            <p:extLst>
-              <p:ext uri="{DAA4B4D4-6D71-4841-9C94-3DE7FCFB9230}">
-                <p14:media xmlns:p14="http://schemas.microsoft.com/office/powerpoint/2010/main" r:embed="rId1"/>
-              </p:ext>
-            </p:extLst>
-          </p:nvPr>
-        </p:nvPicPr>
-        <p:blipFill>
-          <a:blip r:embed="rId4"/>
-          <a:stretch>
-            <a:fillRect/>
-          </a:stretch>
-        </p:blipFill>
+          <p:cNvSpPr/>
+          <p:nvPr/>
+        </p:nvSpPr>
         <p:spPr>
           <a:xfrm>
-            <a:off x="2195736" y="3284984"/>
-            <a:ext cx="5832648" cy="3370506"/>
+            <a:off x="1763688" y="4509120"/>
+            <a:ext cx="1042416" cy="1042416"/>
           </a:xfrm>
-          <a:prstGeom prst="rect">
+          <a:prstGeom prst="actionButtonMovie">
             <a:avLst/>
           </a:prstGeom>
         </p:spPr>
-      </p:pic>
+        <p:style>
+          <a:lnRef idx="2">
+            <a:schemeClr val="accent1">
+              <a:shade val="50000"/>
+            </a:schemeClr>
+          </a:lnRef>
+          <a:fillRef idx="1">
+            <a:schemeClr val="accent1"/>
+          </a:fillRef>
+          <a:effectRef idx="0">
+            <a:schemeClr val="accent1"/>
+          </a:effectRef>
+          <a:fontRef idx="minor">
+            <a:schemeClr val="lt1"/>
+          </a:fontRef>
+        </p:style>
+        <p:txBody>
+          <a:bodyPr rtlCol="0" anchor="ctr"/>
+          <a:lstStyle/>
+          <a:p>
+            <a:pPr algn="ctr"/>
+            <a:endParaRPr kumimoji="1" lang="zh-CN" altLang="en-US"/>
+          </a:p>
+        </p:txBody>
+      </p:sp>
+      <p:sp>
+        <p:nvSpPr>
+          <p:cNvPr id="6" name="操作按钮: 影片 5">
+            <a:hlinkClick r:id="rId2" action="ppaction://hlinkfile" highlightClick="1"/>
+          </p:cNvPr>
+          <p:cNvSpPr/>
+          <p:nvPr/>
+        </p:nvSpPr>
+        <p:spPr>
+          <a:xfrm>
+            <a:off x="1763688" y="4437112"/>
+            <a:ext cx="1042416" cy="1042416"/>
+          </a:xfrm>
+          <a:prstGeom prst="actionButtonMovie">
+            <a:avLst/>
+          </a:prstGeom>
+        </p:spPr>
+        <p:style>
+          <a:lnRef idx="2">
+            <a:schemeClr val="accent1">
+              <a:shade val="50000"/>
+            </a:schemeClr>
+          </a:lnRef>
+          <a:fillRef idx="1">
+            <a:schemeClr val="accent1"/>
+          </a:fillRef>
+          <a:effectRef idx="0">
+            <a:schemeClr val="accent1"/>
+          </a:effectRef>
+          <a:fontRef idx="minor">
+            <a:schemeClr val="lt1"/>
+          </a:fontRef>
+        </p:style>
+        <p:txBody>
+          <a:bodyPr rtlCol="0" anchor="ctr"/>
+          <a:lstStyle/>
+          <a:p>
+            <a:pPr algn="ctr"/>
+            <a:endParaRPr kumimoji="1" lang="zh-CN" altLang="en-US"/>
+          </a:p>
+        </p:txBody>
+      </p:sp>
     </p:spTree>
     <p:extLst>
       <p:ext uri="{BB962C8B-B14F-4D97-AF65-F5344CB8AC3E}">
@@ -7349,80 +7416,7 @@
   <p:timing>
     <p:tnLst>
       <p:par>
-        <p:cTn id="1" dur="indefinite" restart="never" nodeType="tmRoot">
-          <p:childTnLst>
-            <p:seq concurrent="1" nextAc="seek">
-              <p:cTn id="2" restart="whenNotActive" fill="hold" evtFilter="cancelBubble" nodeType="interactiveSeq">
-                <p:stCondLst>
-                  <p:cond evt="onClick" delay="0">
-                    <p:tgtEl>
-                      <p:spTgt spid="7"/>
-                    </p:tgtEl>
-                  </p:cond>
-                </p:stCondLst>
-                <p:endSync evt="end" delay="0">
-                  <p:rtn val="all"/>
-                </p:endSync>
-                <p:childTnLst>
-                  <p:par>
-                    <p:cTn id="3" fill="hold">
-                      <p:stCondLst>
-                        <p:cond delay="0"/>
-                      </p:stCondLst>
-                      <p:childTnLst>
-                        <p:par>
-                          <p:cTn id="4" fill="hold">
-                            <p:stCondLst>
-                              <p:cond delay="0"/>
-                            </p:stCondLst>
-                            <p:childTnLst>
-                              <p:par>
-                                <p:cTn id="5" presetID="2" presetClass="mediacall" presetSubtype="0" fill="hold" nodeType="clickEffect">
-                                  <p:stCondLst>
-                                    <p:cond delay="0"/>
-                                  </p:stCondLst>
-                                  <p:childTnLst>
-                                    <p:cmd type="call" cmd="togglePause">
-                                      <p:cBhvr>
-                                        <p:cTn id="6" dur="1" fill="hold"/>
-                                        <p:tgtEl>
-                                          <p:spTgt spid="7"/>
-                                        </p:tgtEl>
-                                      </p:cBhvr>
-                                    </p:cmd>
-                                  </p:childTnLst>
-                                </p:cTn>
-                              </p:par>
-                            </p:childTnLst>
-                          </p:cTn>
-                        </p:par>
-                      </p:childTnLst>
-                    </p:cTn>
-                  </p:par>
-                </p:childTnLst>
-              </p:cTn>
-              <p:nextCondLst>
-                <p:cond evt="onClick" delay="0">
-                  <p:tgtEl>
-                    <p:spTgt spid="7"/>
-                  </p:tgtEl>
-                </p:cond>
-              </p:nextCondLst>
-            </p:seq>
-            <p:video>
-              <p:cMediaNode vol="80000">
-                <p:cTn id="7" fill="hold" display="0">
-                  <p:stCondLst>
-                    <p:cond delay="indefinite"/>
-                  </p:stCondLst>
-                </p:cTn>
-                <p:tgtEl>
-                  <p:spTgt spid="7"/>
-                </p:tgtEl>
-              </p:cMediaNode>
-            </p:video>
-          </p:childTnLst>
-        </p:cTn>
+        <p:cTn id="1" dur="indefinite" restart="never" nodeType="tmRoot"/>
       </p:par>
     </p:tnLst>
   </p:timing>

--- a/python3字符串和文本.pptx
+++ b/python3字符串和文本.pptx
@@ -389,7 +389,7 @@
           <a:p>
             <a:fld id="{A1A61995-FFE1-4DCD-B405-46BA89C8AFD5}" type="datetimeFigureOut">
               <a:rPr lang="zh-CN" altLang="en-US" smtClean="0"/>
-              <a:t>2018/5/5</a:t>
+              <a:t>2018/5/7</a:t>
             </a:fld>
             <a:endParaRPr lang="zh-CN" altLang="en-US"/>
           </a:p>
@@ -554,7 +554,7 @@
           <a:p>
             <a:fld id="{A1A61995-FFE1-4DCD-B405-46BA89C8AFD5}" type="datetimeFigureOut">
               <a:rPr lang="zh-CN" altLang="en-US" smtClean="0"/>
-              <a:t>2018/5/5</a:t>
+              <a:t>2018/5/7</a:t>
             </a:fld>
             <a:endParaRPr lang="zh-CN" altLang="en-US"/>
           </a:p>
@@ -793,7 +793,7 @@
           <a:p>
             <a:fld id="{A1A61995-FFE1-4DCD-B405-46BA89C8AFD5}" type="datetimeFigureOut">
               <a:rPr lang="zh-CN" altLang="en-US" smtClean="0"/>
-              <a:t>2018/5/5</a:t>
+              <a:t>2018/5/7</a:t>
             </a:fld>
             <a:endParaRPr lang="zh-CN" altLang="en-US"/>
           </a:p>
@@ -1027,7 +1027,7 @@
           <a:p>
             <a:fld id="{A1A61995-FFE1-4DCD-B405-46BA89C8AFD5}" type="datetimeFigureOut">
               <a:rPr lang="zh-CN" altLang="en-US" smtClean="0"/>
-              <a:t>2018/5/5</a:t>
+              <a:t>2018/5/7</a:t>
             </a:fld>
             <a:endParaRPr lang="zh-CN" altLang="en-US"/>
           </a:p>
@@ -1366,7 +1366,7 @@
           <a:p>
             <a:fld id="{A1A61995-FFE1-4DCD-B405-46BA89C8AFD5}" type="datetimeFigureOut">
               <a:rPr lang="zh-CN" altLang="en-US" smtClean="0"/>
-              <a:t>2018/5/5</a:t>
+              <a:t>2018/5/7</a:t>
             </a:fld>
             <a:endParaRPr lang="zh-CN" altLang="en-US"/>
           </a:p>
@@ -1713,7 +1713,7 @@
           <a:p>
             <a:fld id="{A1A61995-FFE1-4DCD-B405-46BA89C8AFD5}" type="datetimeFigureOut">
               <a:rPr lang="zh-CN" altLang="en-US" smtClean="0"/>
-              <a:t>2018/5/5</a:t>
+              <a:t>2018/5/7</a:t>
             </a:fld>
             <a:endParaRPr lang="zh-CN" altLang="en-US"/>
           </a:p>
@@ -2274,7 +2274,7 @@
           <a:p>
             <a:fld id="{A1A61995-FFE1-4DCD-B405-46BA89C8AFD5}" type="datetimeFigureOut">
               <a:rPr lang="zh-CN" altLang="en-US" smtClean="0"/>
-              <a:t>2018/5/5</a:t>
+              <a:t>2018/5/7</a:t>
             </a:fld>
             <a:endParaRPr lang="zh-CN" altLang="en-US"/>
           </a:p>
@@ -2451,7 +2451,7 @@
           <a:p>
             <a:fld id="{A1A61995-FFE1-4DCD-B405-46BA89C8AFD5}" type="datetimeFigureOut">
               <a:rPr lang="zh-CN" altLang="en-US" smtClean="0"/>
-              <a:t>2018/5/5</a:t>
+              <a:t>2018/5/7</a:t>
             </a:fld>
             <a:endParaRPr lang="zh-CN" altLang="en-US"/>
           </a:p>
@@ -2546,7 +2546,7 @@
           <a:p>
             <a:fld id="{A1A61995-FFE1-4DCD-B405-46BA89C8AFD5}" type="datetimeFigureOut">
               <a:rPr lang="zh-CN" altLang="en-US" smtClean="0"/>
-              <a:t>2018/5/5</a:t>
+              <a:t>2018/5/7</a:t>
             </a:fld>
             <a:endParaRPr lang="zh-CN" altLang="en-US"/>
           </a:p>
@@ -2911,7 +2911,7 @@
           <a:p>
             <a:fld id="{A1A61995-FFE1-4DCD-B405-46BA89C8AFD5}" type="datetimeFigureOut">
               <a:rPr lang="zh-CN" altLang="en-US" smtClean="0"/>
-              <a:t>2018/5/5</a:t>
+              <a:t>2018/5/7</a:t>
             </a:fld>
             <a:endParaRPr lang="zh-CN" altLang="en-US"/>
           </a:p>
@@ -3255,7 +3255,7 @@
           <a:p>
             <a:fld id="{A1A61995-FFE1-4DCD-B405-46BA89C8AFD5}" type="datetimeFigureOut">
               <a:rPr lang="zh-CN" altLang="en-US" smtClean="0"/>
-              <a:t>2018/5/5</a:t>
+              <a:t>2018/5/7</a:t>
             </a:fld>
             <a:endParaRPr lang="zh-CN" altLang="en-US"/>
           </a:p>
@@ -3526,7 +3526,7 @@
           <a:p>
             <a:fld id="{A1A61995-FFE1-4DCD-B405-46BA89C8AFD5}" type="datetimeFigureOut">
               <a:rPr lang="zh-CN" altLang="en-US" smtClean="0"/>
-              <a:t>2018/5/5</a:t>
+              <a:t>2018/5/7</a:t>
             </a:fld>
             <a:endParaRPr lang="zh-CN" altLang="en-US"/>
           </a:p>
@@ -4251,39 +4251,48 @@
           </a:p>
         </p:txBody>
       </p:sp>
-      <p:pic>
-        <p:nvPicPr>
-          <p:cNvPr id="4" name="2.9.gif">
-            <a:hlinkClick r:id="" action="ppaction://media"/>
+      <p:sp>
+        <p:nvSpPr>
+          <p:cNvPr id="5" name="操作按钮: 影片 4">
+            <a:hlinkClick r:id="rId2" action="ppaction://hlinkfile" highlightClick="1"/>
           </p:cNvPr>
-          <p:cNvPicPr>
-            <a:picLocks noChangeAspect="1"/>
-          </p:cNvPicPr>
-          <p:nvPr>
-            <a:videoFile r:link="rId2"/>
-            <p:extLst>
-              <p:ext uri="{DAA4B4D4-6D71-4841-9C94-3DE7FCFB9230}">
-                <p14:media xmlns:p14="http://schemas.microsoft.com/office/powerpoint/2010/main" r:embed="rId1"/>
-              </p:ext>
-            </p:extLst>
-          </p:nvPr>
-        </p:nvPicPr>
-        <p:blipFill>
-          <a:blip r:embed="rId4"/>
-          <a:stretch>
-            <a:fillRect/>
-          </a:stretch>
-        </p:blipFill>
+          <p:cNvSpPr/>
+          <p:nvPr/>
+        </p:nvSpPr>
         <p:spPr>
           <a:xfrm>
-            <a:off x="539552" y="2827388"/>
-            <a:ext cx="6894959" cy="4030612"/>
+            <a:off x="1979712" y="3429000"/>
+            <a:ext cx="1042416" cy="1042416"/>
           </a:xfrm>
-          <a:prstGeom prst="rect">
+          <a:prstGeom prst="actionButtonMovie">
             <a:avLst/>
           </a:prstGeom>
         </p:spPr>
-      </p:pic>
+        <p:style>
+          <a:lnRef idx="2">
+            <a:schemeClr val="accent1">
+              <a:shade val="50000"/>
+            </a:schemeClr>
+          </a:lnRef>
+          <a:fillRef idx="1">
+            <a:schemeClr val="accent1"/>
+          </a:fillRef>
+          <a:effectRef idx="0">
+            <a:schemeClr val="accent1"/>
+          </a:effectRef>
+          <a:fontRef idx="minor">
+            <a:schemeClr val="lt1"/>
+          </a:fontRef>
+        </p:style>
+        <p:txBody>
+          <a:bodyPr rtlCol="0" anchor="ctr"/>
+          <a:lstStyle/>
+          <a:p>
+            <a:pPr algn="ctr"/>
+            <a:endParaRPr kumimoji="1" lang="zh-CN" altLang="en-US"/>
+          </a:p>
+        </p:txBody>
+      </p:sp>
     </p:spTree>
     <p:extLst>
       <p:ext uri="{BB962C8B-B14F-4D97-AF65-F5344CB8AC3E}">
@@ -4297,80 +4306,7 @@
   <p:timing>
     <p:tnLst>
       <p:par>
-        <p:cTn id="1" dur="indefinite" restart="never" nodeType="tmRoot">
-          <p:childTnLst>
-            <p:seq concurrent="1" nextAc="seek">
-              <p:cTn id="2" restart="whenNotActive" fill="hold" evtFilter="cancelBubble" nodeType="interactiveSeq">
-                <p:stCondLst>
-                  <p:cond evt="onClick" delay="0">
-                    <p:tgtEl>
-                      <p:spTgt spid="4"/>
-                    </p:tgtEl>
-                  </p:cond>
-                </p:stCondLst>
-                <p:endSync evt="end" delay="0">
-                  <p:rtn val="all"/>
-                </p:endSync>
-                <p:childTnLst>
-                  <p:par>
-                    <p:cTn id="3" fill="hold">
-                      <p:stCondLst>
-                        <p:cond delay="0"/>
-                      </p:stCondLst>
-                      <p:childTnLst>
-                        <p:par>
-                          <p:cTn id="4" fill="hold">
-                            <p:stCondLst>
-                              <p:cond delay="0"/>
-                            </p:stCondLst>
-                            <p:childTnLst>
-                              <p:par>
-                                <p:cTn id="5" presetID="2" presetClass="mediacall" presetSubtype="0" fill="hold" nodeType="clickEffect">
-                                  <p:stCondLst>
-                                    <p:cond delay="0"/>
-                                  </p:stCondLst>
-                                  <p:childTnLst>
-                                    <p:cmd type="call" cmd="togglePause">
-                                      <p:cBhvr>
-                                        <p:cTn id="6" dur="1" fill="hold"/>
-                                        <p:tgtEl>
-                                          <p:spTgt spid="4"/>
-                                        </p:tgtEl>
-                                      </p:cBhvr>
-                                    </p:cmd>
-                                  </p:childTnLst>
-                                </p:cTn>
-                              </p:par>
-                            </p:childTnLst>
-                          </p:cTn>
-                        </p:par>
-                      </p:childTnLst>
-                    </p:cTn>
-                  </p:par>
-                </p:childTnLst>
-              </p:cTn>
-              <p:nextCondLst>
-                <p:cond evt="onClick" delay="0">
-                  <p:tgtEl>
-                    <p:spTgt spid="4"/>
-                  </p:tgtEl>
-                </p:cond>
-              </p:nextCondLst>
-            </p:seq>
-            <p:video>
-              <p:cMediaNode vol="80000">
-                <p:cTn id="7" fill="hold" display="0">
-                  <p:stCondLst>
-                    <p:cond delay="indefinite"/>
-                  </p:stCondLst>
-                </p:cTn>
-                <p:tgtEl>
-                  <p:spTgt spid="4"/>
-                </p:tgtEl>
-              </p:cMediaNode>
-            </p:video>
-          </p:childTnLst>
-        </p:cTn>
+        <p:cTn id="1" dur="indefinite" restart="never" nodeType="tmRoot"/>
       </p:par>
     </p:tnLst>
   </p:timing>
@@ -4556,39 +4492,48 @@
           </a:p>
         </p:txBody>
       </p:sp>
-      <p:pic>
-        <p:nvPicPr>
-          <p:cNvPr id="4" name="2.10.gif">
-            <a:hlinkClick r:id="" action="ppaction://media"/>
+      <p:sp>
+        <p:nvSpPr>
+          <p:cNvPr id="5" name="操作按钮: 影片 4">
+            <a:hlinkClick r:id="rId2" action="ppaction://hlinkfile" highlightClick="1"/>
           </p:cNvPr>
-          <p:cNvPicPr>
-            <a:picLocks noChangeAspect="1"/>
-          </p:cNvPicPr>
-          <p:nvPr>
-            <a:videoFile r:link="rId2"/>
-            <p:extLst>
-              <p:ext uri="{DAA4B4D4-6D71-4841-9C94-3DE7FCFB9230}">
-                <p14:media xmlns:p14="http://schemas.microsoft.com/office/powerpoint/2010/main" r:embed="rId1"/>
-              </p:ext>
-            </p:extLst>
-          </p:nvPr>
-        </p:nvPicPr>
-        <p:blipFill>
-          <a:blip r:embed="rId4"/>
-          <a:stretch>
-            <a:fillRect/>
-          </a:stretch>
-        </p:blipFill>
+          <p:cNvSpPr/>
+          <p:nvPr/>
+        </p:nvSpPr>
         <p:spPr>
           <a:xfrm>
-            <a:off x="683568" y="2743200"/>
-            <a:ext cx="7038975" cy="4114800"/>
+            <a:off x="1691680" y="2996952"/>
+            <a:ext cx="1042416" cy="1042416"/>
           </a:xfrm>
-          <a:prstGeom prst="rect">
+          <a:prstGeom prst="actionButtonMovie">
             <a:avLst/>
           </a:prstGeom>
         </p:spPr>
-      </p:pic>
+        <p:style>
+          <a:lnRef idx="2">
+            <a:schemeClr val="accent1">
+              <a:shade val="50000"/>
+            </a:schemeClr>
+          </a:lnRef>
+          <a:fillRef idx="1">
+            <a:schemeClr val="accent1"/>
+          </a:fillRef>
+          <a:effectRef idx="0">
+            <a:schemeClr val="accent1"/>
+          </a:effectRef>
+          <a:fontRef idx="minor">
+            <a:schemeClr val="lt1"/>
+          </a:fontRef>
+        </p:style>
+        <p:txBody>
+          <a:bodyPr rtlCol="0" anchor="ctr"/>
+          <a:lstStyle/>
+          <a:p>
+            <a:pPr algn="ctr"/>
+            <a:endParaRPr kumimoji="1" lang="zh-CN" altLang="en-US"/>
+          </a:p>
+        </p:txBody>
+      </p:sp>
     </p:spTree>
     <p:extLst>
       <p:ext uri="{BB962C8B-B14F-4D97-AF65-F5344CB8AC3E}">
@@ -4602,80 +4547,7 @@
   <p:timing>
     <p:tnLst>
       <p:par>
-        <p:cTn id="1" dur="indefinite" restart="never" nodeType="tmRoot">
-          <p:childTnLst>
-            <p:seq concurrent="1" nextAc="seek">
-              <p:cTn id="2" restart="whenNotActive" fill="hold" evtFilter="cancelBubble" nodeType="interactiveSeq">
-                <p:stCondLst>
-                  <p:cond evt="onClick" delay="0">
-                    <p:tgtEl>
-                      <p:spTgt spid="4"/>
-                    </p:tgtEl>
-                  </p:cond>
-                </p:stCondLst>
-                <p:endSync evt="end" delay="0">
-                  <p:rtn val="all"/>
-                </p:endSync>
-                <p:childTnLst>
-                  <p:par>
-                    <p:cTn id="3" fill="hold">
-                      <p:stCondLst>
-                        <p:cond delay="0"/>
-                      </p:stCondLst>
-                      <p:childTnLst>
-                        <p:par>
-                          <p:cTn id="4" fill="hold">
-                            <p:stCondLst>
-                              <p:cond delay="0"/>
-                            </p:stCondLst>
-                            <p:childTnLst>
-                              <p:par>
-                                <p:cTn id="5" presetID="2" presetClass="mediacall" presetSubtype="0" fill="hold" nodeType="clickEffect">
-                                  <p:stCondLst>
-                                    <p:cond delay="0"/>
-                                  </p:stCondLst>
-                                  <p:childTnLst>
-                                    <p:cmd type="call" cmd="togglePause">
-                                      <p:cBhvr>
-                                        <p:cTn id="6" dur="1" fill="hold"/>
-                                        <p:tgtEl>
-                                          <p:spTgt spid="4"/>
-                                        </p:tgtEl>
-                                      </p:cBhvr>
-                                    </p:cmd>
-                                  </p:childTnLst>
-                                </p:cTn>
-                              </p:par>
-                            </p:childTnLst>
-                          </p:cTn>
-                        </p:par>
-                      </p:childTnLst>
-                    </p:cTn>
-                  </p:par>
-                </p:childTnLst>
-              </p:cTn>
-              <p:nextCondLst>
-                <p:cond evt="onClick" delay="0">
-                  <p:tgtEl>
-                    <p:spTgt spid="4"/>
-                  </p:tgtEl>
-                </p:cond>
-              </p:nextCondLst>
-            </p:seq>
-            <p:video>
-              <p:cMediaNode vol="80000">
-                <p:cTn id="7" fill="hold" display="0">
-                  <p:stCondLst>
-                    <p:cond delay="indefinite"/>
-                  </p:stCondLst>
-                </p:cTn>
-                <p:tgtEl>
-                  <p:spTgt spid="4"/>
-                </p:tgtEl>
-              </p:cMediaNode>
-            </p:video>
-          </p:childTnLst>
-        </p:cTn>
+        <p:cTn id="1" dur="indefinite" restart="never" nodeType="tmRoot"/>
       </p:par>
     </p:tnLst>
   </p:timing>
@@ -4834,39 +4706,48 @@
           </a:p>
         </p:txBody>
       </p:sp>
-      <p:pic>
-        <p:nvPicPr>
-          <p:cNvPr id="4" name="2.11.gif">
-            <a:hlinkClick r:id="" action="ppaction://media"/>
+      <p:sp>
+        <p:nvSpPr>
+          <p:cNvPr id="5" name="操作按钮: 影片 4">
+            <a:hlinkClick r:id="rId2" action="ppaction://hlinkfile" highlightClick="1"/>
           </p:cNvPr>
-          <p:cNvPicPr>
-            <a:picLocks noChangeAspect="1"/>
-          </p:cNvPicPr>
-          <p:nvPr>
-            <a:videoFile r:link="rId2"/>
-            <p:extLst>
-              <p:ext uri="{DAA4B4D4-6D71-4841-9C94-3DE7FCFB9230}">
-                <p14:media xmlns:p14="http://schemas.microsoft.com/office/powerpoint/2010/main" r:embed="rId1"/>
-              </p:ext>
-            </p:extLst>
-          </p:nvPr>
-        </p:nvPicPr>
-        <p:blipFill>
-          <a:blip r:embed="rId4"/>
-          <a:stretch>
-            <a:fillRect/>
-          </a:stretch>
-        </p:blipFill>
+          <p:cNvSpPr/>
+          <p:nvPr/>
+        </p:nvSpPr>
         <p:spPr>
           <a:xfrm>
-            <a:off x="827584" y="2822164"/>
-            <a:ext cx="7038975" cy="4114800"/>
+            <a:off x="6012160" y="3284984"/>
+            <a:ext cx="1042416" cy="1042416"/>
           </a:xfrm>
-          <a:prstGeom prst="rect">
+          <a:prstGeom prst="actionButtonMovie">
             <a:avLst/>
           </a:prstGeom>
         </p:spPr>
-      </p:pic>
+        <p:style>
+          <a:lnRef idx="2">
+            <a:schemeClr val="accent1">
+              <a:shade val="50000"/>
+            </a:schemeClr>
+          </a:lnRef>
+          <a:fillRef idx="1">
+            <a:schemeClr val="accent1"/>
+          </a:fillRef>
+          <a:effectRef idx="0">
+            <a:schemeClr val="accent1"/>
+          </a:effectRef>
+          <a:fontRef idx="minor">
+            <a:schemeClr val="lt1"/>
+          </a:fontRef>
+        </p:style>
+        <p:txBody>
+          <a:bodyPr rtlCol="0" anchor="ctr"/>
+          <a:lstStyle/>
+          <a:p>
+            <a:pPr algn="ctr"/>
+            <a:endParaRPr kumimoji="1" lang="zh-CN" altLang="en-US"/>
+          </a:p>
+        </p:txBody>
+      </p:sp>
     </p:spTree>
     <p:extLst>
       <p:ext uri="{BB962C8B-B14F-4D97-AF65-F5344CB8AC3E}">
@@ -4880,80 +4761,7 @@
   <p:timing>
     <p:tnLst>
       <p:par>
-        <p:cTn id="1" dur="indefinite" restart="never" nodeType="tmRoot">
-          <p:childTnLst>
-            <p:seq concurrent="1" nextAc="seek">
-              <p:cTn id="2" restart="whenNotActive" fill="hold" evtFilter="cancelBubble" nodeType="interactiveSeq">
-                <p:stCondLst>
-                  <p:cond evt="onClick" delay="0">
-                    <p:tgtEl>
-                      <p:spTgt spid="4"/>
-                    </p:tgtEl>
-                  </p:cond>
-                </p:stCondLst>
-                <p:endSync evt="end" delay="0">
-                  <p:rtn val="all"/>
-                </p:endSync>
-                <p:childTnLst>
-                  <p:par>
-                    <p:cTn id="3" fill="hold">
-                      <p:stCondLst>
-                        <p:cond delay="0"/>
-                      </p:stCondLst>
-                      <p:childTnLst>
-                        <p:par>
-                          <p:cTn id="4" fill="hold">
-                            <p:stCondLst>
-                              <p:cond delay="0"/>
-                            </p:stCondLst>
-                            <p:childTnLst>
-                              <p:par>
-                                <p:cTn id="5" presetID="2" presetClass="mediacall" presetSubtype="0" fill="hold" nodeType="clickEffect">
-                                  <p:stCondLst>
-                                    <p:cond delay="0"/>
-                                  </p:stCondLst>
-                                  <p:childTnLst>
-                                    <p:cmd type="call" cmd="togglePause">
-                                      <p:cBhvr>
-                                        <p:cTn id="6" dur="1" fill="hold"/>
-                                        <p:tgtEl>
-                                          <p:spTgt spid="4"/>
-                                        </p:tgtEl>
-                                      </p:cBhvr>
-                                    </p:cmd>
-                                  </p:childTnLst>
-                                </p:cTn>
-                              </p:par>
-                            </p:childTnLst>
-                          </p:cTn>
-                        </p:par>
-                      </p:childTnLst>
-                    </p:cTn>
-                  </p:par>
-                </p:childTnLst>
-              </p:cTn>
-              <p:nextCondLst>
-                <p:cond evt="onClick" delay="0">
-                  <p:tgtEl>
-                    <p:spTgt spid="4"/>
-                  </p:tgtEl>
-                </p:cond>
-              </p:nextCondLst>
-            </p:seq>
-            <p:video>
-              <p:cMediaNode vol="80000">
-                <p:cTn id="7" fill="hold" display="0">
-                  <p:stCondLst>
-                    <p:cond delay="indefinite"/>
-                  </p:stCondLst>
-                </p:cTn>
-                <p:tgtEl>
-                  <p:spTgt spid="4"/>
-                </p:tgtEl>
-              </p:cMediaNode>
-            </p:video>
-          </p:childTnLst>
-        </p:cTn>
+        <p:cTn id="1" dur="indefinite" restart="never" nodeType="tmRoot"/>
       </p:par>
     </p:tnLst>
   </p:timing>
@@ -5208,39 +5016,48 @@
           </a:p>
         </p:txBody>
       </p:sp>
-      <p:pic>
-        <p:nvPicPr>
-          <p:cNvPr id="4" name="2.12.gif">
-            <a:hlinkClick r:id="" action="ppaction://media"/>
+      <p:sp>
+        <p:nvSpPr>
+          <p:cNvPr id="5" name="操作按钮: 影片 4">
+            <a:hlinkClick r:id="rId2" action="ppaction://hlinkfile" highlightClick="1"/>
           </p:cNvPr>
-          <p:cNvPicPr>
-            <a:picLocks noChangeAspect="1"/>
-          </p:cNvPicPr>
-          <p:nvPr>
-            <a:videoFile r:link="rId2"/>
-            <p:extLst>
-              <p:ext uri="{DAA4B4D4-6D71-4841-9C94-3DE7FCFB9230}">
-                <p14:media xmlns:p14="http://schemas.microsoft.com/office/powerpoint/2010/main" r:embed="rId1"/>
-              </p:ext>
-            </p:extLst>
-          </p:nvPr>
-        </p:nvPicPr>
-        <p:blipFill>
-          <a:blip r:embed="rId4"/>
-          <a:stretch>
-            <a:fillRect/>
-          </a:stretch>
-        </p:blipFill>
+          <p:cNvSpPr/>
+          <p:nvPr/>
+        </p:nvSpPr>
         <p:spPr>
           <a:xfrm>
-            <a:off x="1979712" y="3429000"/>
-            <a:ext cx="5454799" cy="3188732"/>
+            <a:off x="1979712" y="4077072"/>
+            <a:ext cx="1042416" cy="1042416"/>
           </a:xfrm>
-          <a:prstGeom prst="rect">
+          <a:prstGeom prst="actionButtonMovie">
             <a:avLst/>
           </a:prstGeom>
         </p:spPr>
-      </p:pic>
+        <p:style>
+          <a:lnRef idx="2">
+            <a:schemeClr val="accent1">
+              <a:shade val="50000"/>
+            </a:schemeClr>
+          </a:lnRef>
+          <a:fillRef idx="1">
+            <a:schemeClr val="accent1"/>
+          </a:fillRef>
+          <a:effectRef idx="0">
+            <a:schemeClr val="accent1"/>
+          </a:effectRef>
+          <a:fontRef idx="minor">
+            <a:schemeClr val="lt1"/>
+          </a:fontRef>
+        </p:style>
+        <p:txBody>
+          <a:bodyPr rtlCol="0" anchor="ctr"/>
+          <a:lstStyle/>
+          <a:p>
+            <a:pPr algn="ctr"/>
+            <a:endParaRPr kumimoji="1" lang="zh-CN" altLang="en-US"/>
+          </a:p>
+        </p:txBody>
+      </p:sp>
     </p:spTree>
     <p:extLst>
       <p:ext uri="{BB962C8B-B14F-4D97-AF65-F5344CB8AC3E}">
@@ -5254,80 +5071,7 @@
   <p:timing>
     <p:tnLst>
       <p:par>
-        <p:cTn id="1" dur="indefinite" restart="never" nodeType="tmRoot">
-          <p:childTnLst>
-            <p:seq concurrent="1" nextAc="seek">
-              <p:cTn id="2" restart="whenNotActive" fill="hold" evtFilter="cancelBubble" nodeType="interactiveSeq">
-                <p:stCondLst>
-                  <p:cond evt="onClick" delay="0">
-                    <p:tgtEl>
-                      <p:spTgt spid="4"/>
-                    </p:tgtEl>
-                  </p:cond>
-                </p:stCondLst>
-                <p:endSync evt="end" delay="0">
-                  <p:rtn val="all"/>
-                </p:endSync>
-                <p:childTnLst>
-                  <p:par>
-                    <p:cTn id="3" fill="hold">
-                      <p:stCondLst>
-                        <p:cond delay="0"/>
-                      </p:stCondLst>
-                      <p:childTnLst>
-                        <p:par>
-                          <p:cTn id="4" fill="hold">
-                            <p:stCondLst>
-                              <p:cond delay="0"/>
-                            </p:stCondLst>
-                            <p:childTnLst>
-                              <p:par>
-                                <p:cTn id="5" presetID="2" presetClass="mediacall" presetSubtype="0" fill="hold" nodeType="clickEffect">
-                                  <p:stCondLst>
-                                    <p:cond delay="0"/>
-                                  </p:stCondLst>
-                                  <p:childTnLst>
-                                    <p:cmd type="call" cmd="togglePause">
-                                      <p:cBhvr>
-                                        <p:cTn id="6" dur="1" fill="hold"/>
-                                        <p:tgtEl>
-                                          <p:spTgt spid="4"/>
-                                        </p:tgtEl>
-                                      </p:cBhvr>
-                                    </p:cmd>
-                                  </p:childTnLst>
-                                </p:cTn>
-                              </p:par>
-                            </p:childTnLst>
-                          </p:cTn>
-                        </p:par>
-                      </p:childTnLst>
-                    </p:cTn>
-                  </p:par>
-                </p:childTnLst>
-              </p:cTn>
-              <p:nextCondLst>
-                <p:cond evt="onClick" delay="0">
-                  <p:tgtEl>
-                    <p:spTgt spid="4"/>
-                  </p:tgtEl>
-                </p:cond>
-              </p:nextCondLst>
-            </p:seq>
-            <p:video>
-              <p:cMediaNode vol="80000">
-                <p:cTn id="7" fill="hold" display="0">
-                  <p:stCondLst>
-                    <p:cond delay="indefinite"/>
-                  </p:stCondLst>
-                </p:cTn>
-                <p:tgtEl>
-                  <p:spTgt spid="4"/>
-                </p:tgtEl>
-              </p:cMediaNode>
-            </p:video>
-          </p:childTnLst>
-        </p:cTn>
+        <p:cTn id="1" dur="indefinite" restart="never" nodeType="tmRoot"/>
       </p:par>
     </p:tnLst>
   </p:timing>
@@ -5486,39 +5230,48 @@
           </a:p>
         </p:txBody>
       </p:sp>
-      <p:pic>
-        <p:nvPicPr>
-          <p:cNvPr id="4" name="2.13.gif">
-            <a:hlinkClick r:id="" action="ppaction://media"/>
+      <p:sp>
+        <p:nvSpPr>
+          <p:cNvPr id="5" name="操作按钮: 影片 4">
+            <a:hlinkClick r:id="rId2" action="ppaction://hlinkfile" highlightClick="1"/>
           </p:cNvPr>
-          <p:cNvPicPr>
-            <a:picLocks noChangeAspect="1"/>
-          </p:cNvPicPr>
-          <p:nvPr>
-            <a:videoFile r:link="rId2"/>
-            <p:extLst>
-              <p:ext uri="{DAA4B4D4-6D71-4841-9C94-3DE7FCFB9230}">
-                <p14:media xmlns:p14="http://schemas.microsoft.com/office/powerpoint/2010/main" r:embed="rId1"/>
-              </p:ext>
-            </p:extLst>
-          </p:nvPr>
-        </p:nvPicPr>
-        <p:blipFill>
-          <a:blip r:embed="rId4"/>
-          <a:stretch>
-            <a:fillRect/>
-          </a:stretch>
-        </p:blipFill>
+          <p:cNvSpPr/>
+          <p:nvPr/>
+        </p:nvSpPr>
         <p:spPr>
           <a:xfrm>
-            <a:off x="899592" y="2743200"/>
-            <a:ext cx="7038975" cy="4114800"/>
+            <a:off x="1331640" y="3573016"/>
+            <a:ext cx="1042416" cy="1042416"/>
           </a:xfrm>
-          <a:prstGeom prst="rect">
+          <a:prstGeom prst="actionButtonMovie">
             <a:avLst/>
           </a:prstGeom>
         </p:spPr>
-      </p:pic>
+        <p:style>
+          <a:lnRef idx="2">
+            <a:schemeClr val="accent1">
+              <a:shade val="50000"/>
+            </a:schemeClr>
+          </a:lnRef>
+          <a:fillRef idx="1">
+            <a:schemeClr val="accent1"/>
+          </a:fillRef>
+          <a:effectRef idx="0">
+            <a:schemeClr val="accent1"/>
+          </a:effectRef>
+          <a:fontRef idx="minor">
+            <a:schemeClr val="lt1"/>
+          </a:fontRef>
+        </p:style>
+        <p:txBody>
+          <a:bodyPr rtlCol="0" anchor="ctr"/>
+          <a:lstStyle/>
+          <a:p>
+            <a:pPr algn="ctr"/>
+            <a:endParaRPr kumimoji="1" lang="zh-CN" altLang="en-US"/>
+          </a:p>
+        </p:txBody>
+      </p:sp>
     </p:spTree>
     <p:extLst>
       <p:ext uri="{BB962C8B-B14F-4D97-AF65-F5344CB8AC3E}">
@@ -5532,80 +5285,7 @@
   <p:timing>
     <p:tnLst>
       <p:par>
-        <p:cTn id="1" dur="indefinite" restart="never" nodeType="tmRoot">
-          <p:childTnLst>
-            <p:seq concurrent="1" nextAc="seek">
-              <p:cTn id="2" restart="whenNotActive" fill="hold" evtFilter="cancelBubble" nodeType="interactiveSeq">
-                <p:stCondLst>
-                  <p:cond evt="onClick" delay="0">
-                    <p:tgtEl>
-                      <p:spTgt spid="4"/>
-                    </p:tgtEl>
-                  </p:cond>
-                </p:stCondLst>
-                <p:endSync evt="end" delay="0">
-                  <p:rtn val="all"/>
-                </p:endSync>
-                <p:childTnLst>
-                  <p:par>
-                    <p:cTn id="3" fill="hold">
-                      <p:stCondLst>
-                        <p:cond delay="0"/>
-                      </p:stCondLst>
-                      <p:childTnLst>
-                        <p:par>
-                          <p:cTn id="4" fill="hold">
-                            <p:stCondLst>
-                              <p:cond delay="0"/>
-                            </p:stCondLst>
-                            <p:childTnLst>
-                              <p:par>
-                                <p:cTn id="5" presetID="2" presetClass="mediacall" presetSubtype="0" fill="hold" nodeType="clickEffect">
-                                  <p:stCondLst>
-                                    <p:cond delay="0"/>
-                                  </p:stCondLst>
-                                  <p:childTnLst>
-                                    <p:cmd type="call" cmd="togglePause">
-                                      <p:cBhvr>
-                                        <p:cTn id="6" dur="1" fill="hold"/>
-                                        <p:tgtEl>
-                                          <p:spTgt spid="4"/>
-                                        </p:tgtEl>
-                                      </p:cBhvr>
-                                    </p:cmd>
-                                  </p:childTnLst>
-                                </p:cTn>
-                              </p:par>
-                            </p:childTnLst>
-                          </p:cTn>
-                        </p:par>
-                      </p:childTnLst>
-                    </p:cTn>
-                  </p:par>
-                </p:childTnLst>
-              </p:cTn>
-              <p:nextCondLst>
-                <p:cond evt="onClick" delay="0">
-                  <p:tgtEl>
-                    <p:spTgt spid="4"/>
-                  </p:tgtEl>
-                </p:cond>
-              </p:nextCondLst>
-            </p:seq>
-            <p:video>
-              <p:cMediaNode vol="80000">
-                <p:cTn id="7" fill="hold" display="0">
-                  <p:stCondLst>
-                    <p:cond delay="indefinite"/>
-                  </p:stCondLst>
-                </p:cTn>
-                <p:tgtEl>
-                  <p:spTgt spid="4"/>
-                </p:tgtEl>
-              </p:cMediaNode>
-            </p:video>
-          </p:childTnLst>
-        </p:cTn>
+        <p:cTn id="1" dur="indefinite" restart="never" nodeType="tmRoot"/>
       </p:par>
     </p:tnLst>
   </p:timing>
@@ -5750,39 +5430,48 @@
           </a:p>
         </p:txBody>
       </p:sp>
-      <p:pic>
-        <p:nvPicPr>
-          <p:cNvPr id="4" name="2.14.gif">
-            <a:hlinkClick r:id="" action="ppaction://media"/>
+      <p:sp>
+        <p:nvSpPr>
+          <p:cNvPr id="5" name="操作按钮: 影片 4">
+            <a:hlinkClick r:id="rId2" action="ppaction://hlinkfile" highlightClick="1"/>
           </p:cNvPr>
-          <p:cNvPicPr>
-            <a:picLocks noChangeAspect="1"/>
-          </p:cNvPicPr>
-          <p:nvPr>
-            <a:videoFile r:link="rId2"/>
-            <p:extLst>
-              <p:ext uri="{DAA4B4D4-6D71-4841-9C94-3DE7FCFB9230}">
-                <p14:media xmlns:p14="http://schemas.microsoft.com/office/powerpoint/2010/main" r:embed="rId1"/>
-              </p:ext>
-            </p:extLst>
-          </p:nvPr>
-        </p:nvPicPr>
-        <p:blipFill>
-          <a:blip r:embed="rId4"/>
-          <a:stretch>
-            <a:fillRect/>
-          </a:stretch>
-        </p:blipFill>
+          <p:cNvSpPr/>
+          <p:nvPr/>
+        </p:nvSpPr>
         <p:spPr>
           <a:xfrm>
-            <a:off x="2105025" y="2743200"/>
-            <a:ext cx="7038975" cy="4114800"/>
+            <a:off x="1475656" y="3573016"/>
+            <a:ext cx="1042416" cy="1042416"/>
           </a:xfrm>
-          <a:prstGeom prst="rect">
+          <a:prstGeom prst="actionButtonMovie">
             <a:avLst/>
           </a:prstGeom>
         </p:spPr>
-      </p:pic>
+        <p:style>
+          <a:lnRef idx="2">
+            <a:schemeClr val="accent1">
+              <a:shade val="50000"/>
+            </a:schemeClr>
+          </a:lnRef>
+          <a:fillRef idx="1">
+            <a:schemeClr val="accent1"/>
+          </a:fillRef>
+          <a:effectRef idx="0">
+            <a:schemeClr val="accent1"/>
+          </a:effectRef>
+          <a:fontRef idx="minor">
+            <a:schemeClr val="lt1"/>
+          </a:fontRef>
+        </p:style>
+        <p:txBody>
+          <a:bodyPr rtlCol="0" anchor="ctr"/>
+          <a:lstStyle/>
+          <a:p>
+            <a:pPr algn="ctr"/>
+            <a:endParaRPr kumimoji="1" lang="zh-CN" altLang="en-US"/>
+          </a:p>
+        </p:txBody>
+      </p:sp>
     </p:spTree>
     <p:extLst>
       <p:ext uri="{BB962C8B-B14F-4D97-AF65-F5344CB8AC3E}">
@@ -5796,80 +5485,7 @@
   <p:timing>
     <p:tnLst>
       <p:par>
-        <p:cTn id="1" dur="indefinite" restart="never" nodeType="tmRoot">
-          <p:childTnLst>
-            <p:seq concurrent="1" nextAc="seek">
-              <p:cTn id="2" restart="whenNotActive" fill="hold" evtFilter="cancelBubble" nodeType="interactiveSeq">
-                <p:stCondLst>
-                  <p:cond evt="onClick" delay="0">
-                    <p:tgtEl>
-                      <p:spTgt spid="4"/>
-                    </p:tgtEl>
-                  </p:cond>
-                </p:stCondLst>
-                <p:endSync evt="end" delay="0">
-                  <p:rtn val="all"/>
-                </p:endSync>
-                <p:childTnLst>
-                  <p:par>
-                    <p:cTn id="3" fill="hold">
-                      <p:stCondLst>
-                        <p:cond delay="0"/>
-                      </p:stCondLst>
-                      <p:childTnLst>
-                        <p:par>
-                          <p:cTn id="4" fill="hold">
-                            <p:stCondLst>
-                              <p:cond delay="0"/>
-                            </p:stCondLst>
-                            <p:childTnLst>
-                              <p:par>
-                                <p:cTn id="5" presetID="2" presetClass="mediacall" presetSubtype="0" fill="hold" nodeType="clickEffect">
-                                  <p:stCondLst>
-                                    <p:cond delay="0"/>
-                                  </p:stCondLst>
-                                  <p:childTnLst>
-                                    <p:cmd type="call" cmd="togglePause">
-                                      <p:cBhvr>
-                                        <p:cTn id="6" dur="1" fill="hold"/>
-                                        <p:tgtEl>
-                                          <p:spTgt spid="4"/>
-                                        </p:tgtEl>
-                                      </p:cBhvr>
-                                    </p:cmd>
-                                  </p:childTnLst>
-                                </p:cTn>
-                              </p:par>
-                            </p:childTnLst>
-                          </p:cTn>
-                        </p:par>
-                      </p:childTnLst>
-                    </p:cTn>
-                  </p:par>
-                </p:childTnLst>
-              </p:cTn>
-              <p:nextCondLst>
-                <p:cond evt="onClick" delay="0">
-                  <p:tgtEl>
-                    <p:spTgt spid="4"/>
-                  </p:tgtEl>
-                </p:cond>
-              </p:nextCondLst>
-            </p:seq>
-            <p:video>
-              <p:cMediaNode vol="80000">
-                <p:cTn id="7" fill="hold" display="0">
-                  <p:stCondLst>
-                    <p:cond delay="indefinite"/>
-                  </p:stCondLst>
-                </p:cTn>
-                <p:tgtEl>
-                  <p:spTgt spid="4"/>
-                </p:tgtEl>
-              </p:cMediaNode>
-            </p:video>
-          </p:childTnLst>
-        </p:cTn>
+        <p:cTn id="1" dur="indefinite" restart="never" nodeType="tmRoot"/>
       </p:par>
     </p:tnLst>
   </p:timing>
@@ -6000,39 +5616,90 @@
           </a:p>
         </p:txBody>
       </p:sp>
-      <p:pic>
-        <p:nvPicPr>
-          <p:cNvPr id="4" name="2.15.gif">
-            <a:hlinkClick r:id="" action="ppaction://media"/>
+      <p:sp>
+        <p:nvSpPr>
+          <p:cNvPr id="5" name="操作按钮: 影片 4">
+            <a:hlinkClick r:id="rId2" action="ppaction://hlinkfile" highlightClick="1"/>
           </p:cNvPr>
-          <p:cNvPicPr>
-            <a:picLocks noChangeAspect="1"/>
-          </p:cNvPicPr>
-          <p:nvPr>
-            <a:videoFile r:link="rId2"/>
-            <p:extLst>
-              <p:ext uri="{DAA4B4D4-6D71-4841-9C94-3DE7FCFB9230}">
-                <p14:media xmlns:p14="http://schemas.microsoft.com/office/powerpoint/2010/main" r:embed="rId1"/>
-              </p:ext>
-            </p:extLst>
-          </p:nvPr>
-        </p:nvPicPr>
-        <p:blipFill>
-          <a:blip r:embed="rId4"/>
-          <a:stretch>
-            <a:fillRect/>
-          </a:stretch>
-        </p:blipFill>
+          <p:cNvSpPr/>
+          <p:nvPr/>
+        </p:nvSpPr>
         <p:spPr>
           <a:xfrm>
-            <a:off x="2105025" y="2996952"/>
-            <a:ext cx="7038975" cy="4114800"/>
+            <a:off x="3419872" y="4797152"/>
+            <a:ext cx="45719" cy="45719"/>
           </a:xfrm>
-          <a:prstGeom prst="rect">
+          <a:prstGeom prst="actionButtonMovie">
             <a:avLst/>
           </a:prstGeom>
         </p:spPr>
-      </p:pic>
+        <p:style>
+          <a:lnRef idx="2">
+            <a:schemeClr val="accent1">
+              <a:shade val="50000"/>
+            </a:schemeClr>
+          </a:lnRef>
+          <a:fillRef idx="1">
+            <a:schemeClr val="accent1"/>
+          </a:fillRef>
+          <a:effectRef idx="0">
+            <a:schemeClr val="accent1"/>
+          </a:effectRef>
+          <a:fontRef idx="minor">
+            <a:schemeClr val="lt1"/>
+          </a:fontRef>
+        </p:style>
+        <p:txBody>
+          <a:bodyPr rtlCol="0" anchor="ctr"/>
+          <a:lstStyle/>
+          <a:p>
+            <a:pPr algn="ctr"/>
+            <a:endParaRPr kumimoji="1" lang="zh-CN" altLang="en-US"/>
+          </a:p>
+        </p:txBody>
+      </p:sp>
+      <p:sp>
+        <p:nvSpPr>
+          <p:cNvPr id="6" name="操作按钮: 影片 5">
+            <a:hlinkClick r:id="rId2" action="ppaction://hlinkfile" highlightClick="1"/>
+          </p:cNvPr>
+          <p:cNvSpPr/>
+          <p:nvPr/>
+        </p:nvSpPr>
+        <p:spPr>
+          <a:xfrm>
+            <a:off x="3059832" y="4797152"/>
+            <a:ext cx="1042416" cy="1042416"/>
+          </a:xfrm>
+          <a:prstGeom prst="actionButtonMovie">
+            <a:avLst/>
+          </a:prstGeom>
+        </p:spPr>
+        <p:style>
+          <a:lnRef idx="2">
+            <a:schemeClr val="accent1">
+              <a:shade val="50000"/>
+            </a:schemeClr>
+          </a:lnRef>
+          <a:fillRef idx="1">
+            <a:schemeClr val="accent1"/>
+          </a:fillRef>
+          <a:effectRef idx="0">
+            <a:schemeClr val="accent1"/>
+          </a:effectRef>
+          <a:fontRef idx="minor">
+            <a:schemeClr val="lt1"/>
+          </a:fontRef>
+        </p:style>
+        <p:txBody>
+          <a:bodyPr rtlCol="0" anchor="ctr"/>
+          <a:lstStyle/>
+          <a:p>
+            <a:pPr algn="ctr"/>
+            <a:endParaRPr kumimoji="1" lang="zh-CN" altLang="en-US"/>
+          </a:p>
+        </p:txBody>
+      </p:sp>
     </p:spTree>
     <p:extLst>
       <p:ext uri="{BB962C8B-B14F-4D97-AF65-F5344CB8AC3E}">
@@ -6046,80 +5713,7 @@
   <p:timing>
     <p:tnLst>
       <p:par>
-        <p:cTn id="1" dur="indefinite" restart="never" nodeType="tmRoot">
-          <p:childTnLst>
-            <p:seq concurrent="1" nextAc="seek">
-              <p:cTn id="2" restart="whenNotActive" fill="hold" evtFilter="cancelBubble" nodeType="interactiveSeq">
-                <p:stCondLst>
-                  <p:cond evt="onClick" delay="0">
-                    <p:tgtEl>
-                      <p:spTgt spid="4"/>
-                    </p:tgtEl>
-                  </p:cond>
-                </p:stCondLst>
-                <p:endSync evt="end" delay="0">
-                  <p:rtn val="all"/>
-                </p:endSync>
-                <p:childTnLst>
-                  <p:par>
-                    <p:cTn id="3" fill="hold">
-                      <p:stCondLst>
-                        <p:cond delay="0"/>
-                      </p:stCondLst>
-                      <p:childTnLst>
-                        <p:par>
-                          <p:cTn id="4" fill="hold">
-                            <p:stCondLst>
-                              <p:cond delay="0"/>
-                            </p:stCondLst>
-                            <p:childTnLst>
-                              <p:par>
-                                <p:cTn id="5" presetID="2" presetClass="mediacall" presetSubtype="0" fill="hold" nodeType="clickEffect">
-                                  <p:stCondLst>
-                                    <p:cond delay="0"/>
-                                  </p:stCondLst>
-                                  <p:childTnLst>
-                                    <p:cmd type="call" cmd="togglePause">
-                                      <p:cBhvr>
-                                        <p:cTn id="6" dur="1" fill="hold"/>
-                                        <p:tgtEl>
-                                          <p:spTgt spid="4"/>
-                                        </p:tgtEl>
-                                      </p:cBhvr>
-                                    </p:cmd>
-                                  </p:childTnLst>
-                                </p:cTn>
-                              </p:par>
-                            </p:childTnLst>
-                          </p:cTn>
-                        </p:par>
-                      </p:childTnLst>
-                    </p:cTn>
-                  </p:par>
-                </p:childTnLst>
-              </p:cTn>
-              <p:nextCondLst>
-                <p:cond evt="onClick" delay="0">
-                  <p:tgtEl>
-                    <p:spTgt spid="4"/>
-                  </p:tgtEl>
-                </p:cond>
-              </p:nextCondLst>
-            </p:seq>
-            <p:video>
-              <p:cMediaNode vol="80000">
-                <p:cTn id="7" fill="hold" display="0">
-                  <p:stCondLst>
-                    <p:cond delay="indefinite"/>
-                  </p:stCondLst>
-                </p:cTn>
-                <p:tgtEl>
-                  <p:spTgt spid="4"/>
-                </p:tgtEl>
-              </p:cMediaNode>
-            </p:video>
-          </p:childTnLst>
-        </p:cTn>
+        <p:cTn id="1" dur="indefinite" restart="never" nodeType="tmRoot"/>
       </p:par>
     </p:tnLst>
   </p:timing>
@@ -6267,39 +5861,48 @@
           </a:p>
         </p:txBody>
       </p:sp>
-      <p:pic>
-        <p:nvPicPr>
-          <p:cNvPr id="4" name="2.16.gif">
-            <a:hlinkClick r:id="" action="ppaction://media"/>
+      <p:sp>
+        <p:nvSpPr>
+          <p:cNvPr id="5" name="操作按钮: 影片 4">
+            <a:hlinkClick r:id="rId2" action="ppaction://hlinkfile" highlightClick="1"/>
           </p:cNvPr>
-          <p:cNvPicPr>
-            <a:picLocks noChangeAspect="1"/>
-          </p:cNvPicPr>
-          <p:nvPr>
-            <a:videoFile r:link="rId2"/>
-            <p:extLst>
-              <p:ext uri="{DAA4B4D4-6D71-4841-9C94-3DE7FCFB9230}">
-                <p14:media xmlns:p14="http://schemas.microsoft.com/office/powerpoint/2010/main" r:embed="rId1"/>
-              </p:ext>
-            </p:extLst>
-          </p:nvPr>
-        </p:nvPicPr>
-        <p:blipFill>
-          <a:blip r:embed="rId4"/>
-          <a:stretch>
-            <a:fillRect/>
-          </a:stretch>
-        </p:blipFill>
+          <p:cNvSpPr/>
+          <p:nvPr/>
+        </p:nvSpPr>
         <p:spPr>
           <a:xfrm>
-            <a:off x="1403648" y="2743200"/>
-            <a:ext cx="7038975" cy="4114800"/>
+            <a:off x="2483768" y="4149080"/>
+            <a:ext cx="1042416" cy="1042416"/>
           </a:xfrm>
-          <a:prstGeom prst="rect">
+          <a:prstGeom prst="actionButtonMovie">
             <a:avLst/>
           </a:prstGeom>
         </p:spPr>
-      </p:pic>
+        <p:style>
+          <a:lnRef idx="2">
+            <a:schemeClr val="accent1">
+              <a:shade val="50000"/>
+            </a:schemeClr>
+          </a:lnRef>
+          <a:fillRef idx="1">
+            <a:schemeClr val="accent1"/>
+          </a:fillRef>
+          <a:effectRef idx="0">
+            <a:schemeClr val="accent1"/>
+          </a:effectRef>
+          <a:fontRef idx="minor">
+            <a:schemeClr val="lt1"/>
+          </a:fontRef>
+        </p:style>
+        <p:txBody>
+          <a:bodyPr rtlCol="0" anchor="ctr"/>
+          <a:lstStyle/>
+          <a:p>
+            <a:pPr algn="ctr"/>
+            <a:endParaRPr kumimoji="1" lang="zh-CN" altLang="en-US"/>
+          </a:p>
+        </p:txBody>
+      </p:sp>
     </p:spTree>
     <p:extLst>
       <p:ext uri="{BB962C8B-B14F-4D97-AF65-F5344CB8AC3E}">
@@ -6313,80 +5916,7 @@
   <p:timing>
     <p:tnLst>
       <p:par>
-        <p:cTn id="1" dur="indefinite" restart="never" nodeType="tmRoot">
-          <p:childTnLst>
-            <p:seq concurrent="1" nextAc="seek">
-              <p:cTn id="2" restart="whenNotActive" fill="hold" evtFilter="cancelBubble" nodeType="interactiveSeq">
-                <p:stCondLst>
-                  <p:cond evt="onClick" delay="0">
-                    <p:tgtEl>
-                      <p:spTgt spid="4"/>
-                    </p:tgtEl>
-                  </p:cond>
-                </p:stCondLst>
-                <p:endSync evt="end" delay="0">
-                  <p:rtn val="all"/>
-                </p:endSync>
-                <p:childTnLst>
-                  <p:par>
-                    <p:cTn id="3" fill="hold">
-                      <p:stCondLst>
-                        <p:cond delay="0"/>
-                      </p:stCondLst>
-                      <p:childTnLst>
-                        <p:par>
-                          <p:cTn id="4" fill="hold">
-                            <p:stCondLst>
-                              <p:cond delay="0"/>
-                            </p:stCondLst>
-                            <p:childTnLst>
-                              <p:par>
-                                <p:cTn id="5" presetID="2" presetClass="mediacall" presetSubtype="0" fill="hold" nodeType="clickEffect">
-                                  <p:stCondLst>
-                                    <p:cond delay="0"/>
-                                  </p:stCondLst>
-                                  <p:childTnLst>
-                                    <p:cmd type="call" cmd="togglePause">
-                                      <p:cBhvr>
-                                        <p:cTn id="6" dur="1" fill="hold"/>
-                                        <p:tgtEl>
-                                          <p:spTgt spid="4"/>
-                                        </p:tgtEl>
-                                      </p:cBhvr>
-                                    </p:cmd>
-                                  </p:childTnLst>
-                                </p:cTn>
-                              </p:par>
-                            </p:childTnLst>
-                          </p:cTn>
-                        </p:par>
-                      </p:childTnLst>
-                    </p:cTn>
-                  </p:par>
-                </p:childTnLst>
-              </p:cTn>
-              <p:nextCondLst>
-                <p:cond evt="onClick" delay="0">
-                  <p:tgtEl>
-                    <p:spTgt spid="4"/>
-                  </p:tgtEl>
-                </p:cond>
-              </p:nextCondLst>
-            </p:seq>
-            <p:video>
-              <p:cMediaNode vol="80000">
-                <p:cTn id="7" fill="hold" display="0">
-                  <p:stCondLst>
-                    <p:cond delay="indefinite"/>
-                  </p:stCondLst>
-                </p:cTn>
-                <p:tgtEl>
-                  <p:spTgt spid="4"/>
-                </p:tgtEl>
-              </p:cMediaNode>
-            </p:video>
-          </p:childTnLst>
-        </p:cTn>
+        <p:cTn id="1" dur="indefinite" restart="never" nodeType="tmRoot"/>
       </p:par>
     </p:tnLst>
   </p:timing>
@@ -6686,39 +6216,48 @@
           </a:p>
         </p:txBody>
       </p:sp>
-      <p:pic>
-        <p:nvPicPr>
-          <p:cNvPr id="4" name="2.17.gif">
-            <a:hlinkClick r:id="" action="ppaction://media"/>
+      <p:sp>
+        <p:nvSpPr>
+          <p:cNvPr id="5" name="操作按钮: 影片 4">
+            <a:hlinkClick r:id="rId2" action="ppaction://hlinkfile" highlightClick="1"/>
           </p:cNvPr>
-          <p:cNvPicPr>
-            <a:picLocks noChangeAspect="1"/>
-          </p:cNvPicPr>
-          <p:nvPr>
-            <a:videoFile r:link="rId2"/>
-            <p:extLst>
-              <p:ext uri="{DAA4B4D4-6D71-4841-9C94-3DE7FCFB9230}">
-                <p14:media xmlns:p14="http://schemas.microsoft.com/office/powerpoint/2010/main" r:embed="rId1"/>
-              </p:ext>
-            </p:extLst>
-          </p:nvPr>
-        </p:nvPicPr>
-        <p:blipFill>
-          <a:blip r:embed="rId4"/>
-          <a:stretch>
-            <a:fillRect/>
-          </a:stretch>
-        </p:blipFill>
+          <p:cNvSpPr/>
+          <p:nvPr/>
+        </p:nvSpPr>
         <p:spPr>
           <a:xfrm>
-            <a:off x="1403648" y="3068960"/>
-            <a:ext cx="7038975" cy="4114800"/>
+            <a:off x="1835696" y="4725144"/>
+            <a:ext cx="1042416" cy="1042416"/>
           </a:xfrm>
-          <a:prstGeom prst="rect">
+          <a:prstGeom prst="actionButtonMovie">
             <a:avLst/>
           </a:prstGeom>
         </p:spPr>
-      </p:pic>
+        <p:style>
+          <a:lnRef idx="2">
+            <a:schemeClr val="accent1">
+              <a:shade val="50000"/>
+            </a:schemeClr>
+          </a:lnRef>
+          <a:fillRef idx="1">
+            <a:schemeClr val="accent1"/>
+          </a:fillRef>
+          <a:effectRef idx="0">
+            <a:schemeClr val="accent1"/>
+          </a:effectRef>
+          <a:fontRef idx="minor">
+            <a:schemeClr val="lt1"/>
+          </a:fontRef>
+        </p:style>
+        <p:txBody>
+          <a:bodyPr rtlCol="0" anchor="ctr"/>
+          <a:lstStyle/>
+          <a:p>
+            <a:pPr algn="ctr"/>
+            <a:endParaRPr kumimoji="1" lang="zh-CN" altLang="en-US"/>
+          </a:p>
+        </p:txBody>
+      </p:sp>
     </p:spTree>
     <p:extLst>
       <p:ext uri="{BB962C8B-B14F-4D97-AF65-F5344CB8AC3E}">
@@ -6732,80 +6271,7 @@
   <p:timing>
     <p:tnLst>
       <p:par>
-        <p:cTn id="1" dur="indefinite" restart="never" nodeType="tmRoot">
-          <p:childTnLst>
-            <p:seq concurrent="1" nextAc="seek">
-              <p:cTn id="2" restart="whenNotActive" fill="hold" evtFilter="cancelBubble" nodeType="interactiveSeq">
-                <p:stCondLst>
-                  <p:cond evt="onClick" delay="0">
-                    <p:tgtEl>
-                      <p:spTgt spid="4"/>
-                    </p:tgtEl>
-                  </p:cond>
-                </p:stCondLst>
-                <p:endSync evt="end" delay="0">
-                  <p:rtn val="all"/>
-                </p:endSync>
-                <p:childTnLst>
-                  <p:par>
-                    <p:cTn id="3" fill="hold">
-                      <p:stCondLst>
-                        <p:cond delay="0"/>
-                      </p:stCondLst>
-                      <p:childTnLst>
-                        <p:par>
-                          <p:cTn id="4" fill="hold">
-                            <p:stCondLst>
-                              <p:cond delay="0"/>
-                            </p:stCondLst>
-                            <p:childTnLst>
-                              <p:par>
-                                <p:cTn id="5" presetID="2" presetClass="mediacall" presetSubtype="0" fill="hold" nodeType="clickEffect">
-                                  <p:stCondLst>
-                                    <p:cond delay="0"/>
-                                  </p:stCondLst>
-                                  <p:childTnLst>
-                                    <p:cmd type="call" cmd="togglePause">
-                                      <p:cBhvr>
-                                        <p:cTn id="6" dur="1" fill="hold"/>
-                                        <p:tgtEl>
-                                          <p:spTgt spid="4"/>
-                                        </p:tgtEl>
-                                      </p:cBhvr>
-                                    </p:cmd>
-                                  </p:childTnLst>
-                                </p:cTn>
-                              </p:par>
-                            </p:childTnLst>
-                          </p:cTn>
-                        </p:par>
-                      </p:childTnLst>
-                    </p:cTn>
-                  </p:par>
-                </p:childTnLst>
-              </p:cTn>
-              <p:nextCondLst>
-                <p:cond evt="onClick" delay="0">
-                  <p:tgtEl>
-                    <p:spTgt spid="4"/>
-                  </p:tgtEl>
-                </p:cond>
-              </p:nextCondLst>
-            </p:seq>
-            <p:video>
-              <p:cMediaNode vol="80000">
-                <p:cTn id="7" fill="hold" display="0">
-                  <p:stCondLst>
-                    <p:cond delay="indefinite"/>
-                  </p:stCondLst>
-                </p:cTn>
-                <p:tgtEl>
-                  <p:spTgt spid="4"/>
-                </p:tgtEl>
-              </p:cMediaNode>
-            </p:video>
-          </p:childTnLst>
-        </p:cTn>
+        <p:cTn id="1" dur="indefinite" restart="never" nodeType="tmRoot"/>
       </p:par>
     </p:tnLst>
   </p:timing>
@@ -6922,39 +6388,48 @@
           </a:p>
         </p:txBody>
       </p:sp>
-      <p:pic>
-        <p:nvPicPr>
-          <p:cNvPr id="4" name="2.18.gif">
-            <a:hlinkClick r:id="" action="ppaction://media"/>
+      <p:sp>
+        <p:nvSpPr>
+          <p:cNvPr id="5" name="操作按钮: 影片 4">
+            <a:hlinkClick r:id="rId2" action="ppaction://hlinkfile" highlightClick="1"/>
           </p:cNvPr>
-          <p:cNvPicPr>
-            <a:picLocks noChangeAspect="1"/>
-          </p:cNvPicPr>
-          <p:nvPr>
-            <a:videoFile r:link="rId2"/>
-            <p:extLst>
-              <p:ext uri="{DAA4B4D4-6D71-4841-9C94-3DE7FCFB9230}">
-                <p14:media xmlns:p14="http://schemas.microsoft.com/office/powerpoint/2010/main" r:embed="rId1"/>
-              </p:ext>
-            </p:extLst>
-          </p:nvPr>
-        </p:nvPicPr>
-        <p:blipFill>
-          <a:blip r:embed="rId4"/>
-          <a:stretch>
-            <a:fillRect/>
-          </a:stretch>
-        </p:blipFill>
+          <p:cNvSpPr/>
+          <p:nvPr/>
+        </p:nvSpPr>
         <p:spPr>
           <a:xfrm>
-            <a:off x="1979712" y="2204864"/>
-            <a:ext cx="7038975" cy="4114800"/>
+            <a:off x="755576" y="4725144"/>
+            <a:ext cx="1042416" cy="1042416"/>
           </a:xfrm>
-          <a:prstGeom prst="rect">
+          <a:prstGeom prst="actionButtonMovie">
             <a:avLst/>
           </a:prstGeom>
         </p:spPr>
-      </p:pic>
+        <p:style>
+          <a:lnRef idx="2">
+            <a:schemeClr val="accent1">
+              <a:shade val="50000"/>
+            </a:schemeClr>
+          </a:lnRef>
+          <a:fillRef idx="1">
+            <a:schemeClr val="accent1"/>
+          </a:fillRef>
+          <a:effectRef idx="0">
+            <a:schemeClr val="accent1"/>
+          </a:effectRef>
+          <a:fontRef idx="minor">
+            <a:schemeClr val="lt1"/>
+          </a:fontRef>
+        </p:style>
+        <p:txBody>
+          <a:bodyPr rtlCol="0" anchor="ctr"/>
+          <a:lstStyle/>
+          <a:p>
+            <a:pPr algn="ctr"/>
+            <a:endParaRPr kumimoji="1" lang="zh-CN" altLang="en-US"/>
+          </a:p>
+        </p:txBody>
+      </p:sp>
     </p:spTree>
     <p:extLst>
       <p:ext uri="{BB962C8B-B14F-4D97-AF65-F5344CB8AC3E}">
@@ -6968,80 +6443,7 @@
   <p:timing>
     <p:tnLst>
       <p:par>
-        <p:cTn id="1" dur="indefinite" restart="never" nodeType="tmRoot">
-          <p:childTnLst>
-            <p:seq concurrent="1" nextAc="seek">
-              <p:cTn id="2" restart="whenNotActive" fill="hold" evtFilter="cancelBubble" nodeType="interactiveSeq">
-                <p:stCondLst>
-                  <p:cond evt="onClick" delay="0">
-                    <p:tgtEl>
-                      <p:spTgt spid="4"/>
-                    </p:tgtEl>
-                  </p:cond>
-                </p:stCondLst>
-                <p:endSync evt="end" delay="0">
-                  <p:rtn val="all"/>
-                </p:endSync>
-                <p:childTnLst>
-                  <p:par>
-                    <p:cTn id="3" fill="hold">
-                      <p:stCondLst>
-                        <p:cond delay="0"/>
-                      </p:stCondLst>
-                      <p:childTnLst>
-                        <p:par>
-                          <p:cTn id="4" fill="hold">
-                            <p:stCondLst>
-                              <p:cond delay="0"/>
-                            </p:stCondLst>
-                            <p:childTnLst>
-                              <p:par>
-                                <p:cTn id="5" presetID="2" presetClass="mediacall" presetSubtype="0" fill="hold" nodeType="clickEffect">
-                                  <p:stCondLst>
-                                    <p:cond delay="0"/>
-                                  </p:stCondLst>
-                                  <p:childTnLst>
-                                    <p:cmd type="call" cmd="togglePause">
-                                      <p:cBhvr>
-                                        <p:cTn id="6" dur="1" fill="hold"/>
-                                        <p:tgtEl>
-                                          <p:spTgt spid="4"/>
-                                        </p:tgtEl>
-                                      </p:cBhvr>
-                                    </p:cmd>
-                                  </p:childTnLst>
-                                </p:cTn>
-                              </p:par>
-                            </p:childTnLst>
-                          </p:cTn>
-                        </p:par>
-                      </p:childTnLst>
-                    </p:cTn>
-                  </p:par>
-                </p:childTnLst>
-              </p:cTn>
-              <p:nextCondLst>
-                <p:cond evt="onClick" delay="0">
-                  <p:tgtEl>
-                    <p:spTgt spid="4"/>
-                  </p:tgtEl>
-                </p:cond>
-              </p:nextCondLst>
-            </p:seq>
-            <p:video>
-              <p:cMediaNode vol="80000">
-                <p:cTn id="7" fill="hold" display="0">
-                  <p:stCondLst>
-                    <p:cond delay="indefinite"/>
-                  </p:stCondLst>
-                </p:cTn>
-                <p:tgtEl>
-                  <p:spTgt spid="4"/>
-                </p:tgtEl>
-              </p:cMediaNode>
-            </p:video>
-          </p:childTnLst>
-        </p:cTn>
+        <p:cTn id="1" dur="indefinite" restart="never" nodeType="tmRoot"/>
       </p:par>
     </p:tnLst>
   </p:timing>
@@ -7364,7 +6766,7 @@
       <p:sp>
         <p:nvSpPr>
           <p:cNvPr id="6" name="操作按钮: 影片 5">
-            <a:hlinkClick r:id="rId2" action="ppaction://hlinkfile" highlightClick="1"/>
+            <a:hlinkClick r:id="rId3" action="ppaction://hlinkfile" highlightClick="1"/>
           </p:cNvPr>
           <p:cNvSpPr/>
           <p:nvPr/>
@@ -7545,8 +6947,25 @@
                 <a:latin typeface="华文楷体" panose="02010600040101010101" pitchFamily="2" charset="-122"/>
                 <a:ea typeface="华文楷体" panose="02010600040101010101" pitchFamily="2" charset="-122"/>
               </a:rPr>
-              <a:t>形式指定一个标准语法。</a:t>
-            </a:r>
+              <a:t>形式指定一个标准语法</a:t>
+            </a:r>
+            <a:r>
+              <a:rPr lang="zh-CN" altLang="en-US" sz="1700" dirty="0" smtClean="0">
+                <a:latin typeface="华文楷体" panose="02010600040101010101" pitchFamily="2" charset="-122"/>
+                <a:ea typeface="华文楷体" panose="02010600040101010101" pitchFamily="2" charset="-122"/>
+              </a:rPr>
+              <a:t>。</a:t>
+            </a:r>
+            <a:endParaRPr lang="en-US" altLang="zh-CN" sz="1700" dirty="0" smtClean="0">
+              <a:latin typeface="华文楷体" panose="02010600040101010101" pitchFamily="2" charset="-122"/>
+              <a:ea typeface="华文楷体" panose="02010600040101010101" pitchFamily="2" charset="-122"/>
+            </a:endParaRPr>
+          </a:p>
+          <a:p>
+            <a:endParaRPr lang="zh-CN" altLang="en-US" sz="1700" dirty="0">
+              <a:latin typeface="华文楷体" panose="02010600040101010101" pitchFamily="2" charset="-122"/>
+              <a:ea typeface="华文楷体" panose="02010600040101010101" pitchFamily="2" charset="-122"/>
+            </a:endParaRPr>
           </a:p>
           <a:p>
             <a:pPr marL="0" indent="0">
@@ -7556,39 +6975,48 @@
           </a:p>
         </p:txBody>
       </p:sp>
-      <p:pic>
-        <p:nvPicPr>
-          <p:cNvPr id="4" name="2.19.gif">
-            <a:hlinkClick r:id="" action="ppaction://media"/>
+      <p:sp>
+        <p:nvSpPr>
+          <p:cNvPr id="5" name="操作按钮: 影片 4">
+            <a:hlinkClick r:id="rId2" action="ppaction://hlinkfile" highlightClick="1"/>
           </p:cNvPr>
-          <p:cNvPicPr>
-            <a:picLocks noChangeAspect="1"/>
-          </p:cNvPicPr>
-          <p:nvPr>
-            <a:videoFile r:link="rId2"/>
-            <p:extLst>
-              <p:ext uri="{DAA4B4D4-6D71-4841-9C94-3DE7FCFB9230}">
-                <p14:media xmlns:p14="http://schemas.microsoft.com/office/powerpoint/2010/main" r:embed="rId1"/>
-              </p:ext>
-            </p:extLst>
-          </p:nvPr>
-        </p:nvPicPr>
-        <p:blipFill>
-          <a:blip r:embed="rId4"/>
-          <a:stretch>
-            <a:fillRect/>
-          </a:stretch>
-        </p:blipFill>
+          <p:cNvSpPr/>
+          <p:nvPr/>
+        </p:nvSpPr>
         <p:spPr>
           <a:xfrm>
-            <a:off x="2071449" y="2564904"/>
-            <a:ext cx="7038975" cy="4114800"/>
+            <a:off x="2627784" y="4149080"/>
+            <a:ext cx="1042416" cy="1042416"/>
           </a:xfrm>
-          <a:prstGeom prst="rect">
+          <a:prstGeom prst="actionButtonMovie">
             <a:avLst/>
           </a:prstGeom>
         </p:spPr>
-      </p:pic>
+        <p:style>
+          <a:lnRef idx="2">
+            <a:schemeClr val="accent1">
+              <a:shade val="50000"/>
+            </a:schemeClr>
+          </a:lnRef>
+          <a:fillRef idx="1">
+            <a:schemeClr val="accent1"/>
+          </a:fillRef>
+          <a:effectRef idx="0">
+            <a:schemeClr val="accent1"/>
+          </a:effectRef>
+          <a:fontRef idx="minor">
+            <a:schemeClr val="lt1"/>
+          </a:fontRef>
+        </p:style>
+        <p:txBody>
+          <a:bodyPr rtlCol="0" anchor="ctr"/>
+          <a:lstStyle/>
+          <a:p>
+            <a:pPr algn="ctr"/>
+            <a:endParaRPr kumimoji="1" lang="zh-CN" altLang="en-US"/>
+          </a:p>
+        </p:txBody>
+      </p:sp>
     </p:spTree>
     <p:extLst>
       <p:ext uri="{BB962C8B-B14F-4D97-AF65-F5344CB8AC3E}">
@@ -7602,80 +7030,7 @@
   <p:timing>
     <p:tnLst>
       <p:par>
-        <p:cTn id="1" dur="indefinite" restart="never" nodeType="tmRoot">
-          <p:childTnLst>
-            <p:seq concurrent="1" nextAc="seek">
-              <p:cTn id="2" restart="whenNotActive" fill="hold" evtFilter="cancelBubble" nodeType="interactiveSeq">
-                <p:stCondLst>
-                  <p:cond evt="onClick" delay="0">
-                    <p:tgtEl>
-                      <p:spTgt spid="4"/>
-                    </p:tgtEl>
-                  </p:cond>
-                </p:stCondLst>
-                <p:endSync evt="end" delay="0">
-                  <p:rtn val="all"/>
-                </p:endSync>
-                <p:childTnLst>
-                  <p:par>
-                    <p:cTn id="3" fill="hold">
-                      <p:stCondLst>
-                        <p:cond delay="0"/>
-                      </p:stCondLst>
-                      <p:childTnLst>
-                        <p:par>
-                          <p:cTn id="4" fill="hold">
-                            <p:stCondLst>
-                              <p:cond delay="0"/>
-                            </p:stCondLst>
-                            <p:childTnLst>
-                              <p:par>
-                                <p:cTn id="5" presetID="2" presetClass="mediacall" presetSubtype="0" fill="hold" nodeType="clickEffect">
-                                  <p:stCondLst>
-                                    <p:cond delay="0"/>
-                                  </p:stCondLst>
-                                  <p:childTnLst>
-                                    <p:cmd type="call" cmd="togglePause">
-                                      <p:cBhvr>
-                                        <p:cTn id="6" dur="1" fill="hold"/>
-                                        <p:tgtEl>
-                                          <p:spTgt spid="4"/>
-                                        </p:tgtEl>
-                                      </p:cBhvr>
-                                    </p:cmd>
-                                  </p:childTnLst>
-                                </p:cTn>
-                              </p:par>
-                            </p:childTnLst>
-                          </p:cTn>
-                        </p:par>
-                      </p:childTnLst>
-                    </p:cTn>
-                  </p:par>
-                </p:childTnLst>
-              </p:cTn>
-              <p:nextCondLst>
-                <p:cond evt="onClick" delay="0">
-                  <p:tgtEl>
-                    <p:spTgt spid="4"/>
-                  </p:tgtEl>
-                </p:cond>
-              </p:nextCondLst>
-            </p:seq>
-            <p:video>
-              <p:cMediaNode vol="80000">
-                <p:cTn id="7" fill="hold" display="0">
-                  <p:stCondLst>
-                    <p:cond delay="indefinite"/>
-                  </p:stCondLst>
-                </p:cTn>
-                <p:tgtEl>
-                  <p:spTgt spid="4"/>
-                </p:tgtEl>
-              </p:cMediaNode>
-            </p:video>
-          </p:childTnLst>
-        </p:cTn>
+        <p:cTn id="1" dur="indefinite" restart="never" nodeType="tmRoot"/>
       </p:par>
     </p:tnLst>
   </p:timing>
@@ -7827,39 +7182,48 @@
           </a:p>
         </p:txBody>
       </p:sp>
-      <p:pic>
-        <p:nvPicPr>
-          <p:cNvPr id="4" name="2.20.gif">
-            <a:hlinkClick r:id="" action="ppaction://media"/>
+      <p:sp>
+        <p:nvSpPr>
+          <p:cNvPr id="6" name="操作按钮: 影片 5">
+            <a:hlinkClick r:id="rId2" action="ppaction://hlinkfile" highlightClick="1"/>
           </p:cNvPr>
-          <p:cNvPicPr>
-            <a:picLocks noChangeAspect="1"/>
-          </p:cNvPicPr>
-          <p:nvPr>
-            <a:videoFile r:link="rId2"/>
-            <p:extLst>
-              <p:ext uri="{DAA4B4D4-6D71-4841-9C94-3DE7FCFB9230}">
-                <p14:media xmlns:p14="http://schemas.microsoft.com/office/powerpoint/2010/main" r:embed="rId1"/>
-              </p:ext>
-            </p:extLst>
-          </p:nvPr>
-        </p:nvPicPr>
-        <p:blipFill>
-          <a:blip r:embed="rId4"/>
-          <a:stretch>
-            <a:fillRect/>
-          </a:stretch>
-        </p:blipFill>
+          <p:cNvSpPr/>
+          <p:nvPr/>
+        </p:nvSpPr>
         <p:spPr>
           <a:xfrm>
-            <a:off x="899592" y="2492896"/>
-            <a:ext cx="7038975" cy="4114800"/>
+            <a:off x="1115616" y="4149080"/>
+            <a:ext cx="1042416" cy="1042416"/>
           </a:xfrm>
-          <a:prstGeom prst="rect">
+          <a:prstGeom prst="actionButtonMovie">
             <a:avLst/>
           </a:prstGeom>
         </p:spPr>
-      </p:pic>
+        <p:style>
+          <a:lnRef idx="2">
+            <a:schemeClr val="accent1">
+              <a:shade val="50000"/>
+            </a:schemeClr>
+          </a:lnRef>
+          <a:fillRef idx="1">
+            <a:schemeClr val="accent1"/>
+          </a:fillRef>
+          <a:effectRef idx="0">
+            <a:schemeClr val="accent1"/>
+          </a:effectRef>
+          <a:fontRef idx="minor">
+            <a:schemeClr val="lt1"/>
+          </a:fontRef>
+        </p:style>
+        <p:txBody>
+          <a:bodyPr rtlCol="0" anchor="ctr"/>
+          <a:lstStyle/>
+          <a:p>
+            <a:pPr algn="ctr"/>
+            <a:endParaRPr kumimoji="1" lang="zh-CN" altLang="en-US"/>
+          </a:p>
+        </p:txBody>
+      </p:sp>
     </p:spTree>
     <p:extLst>
       <p:ext uri="{BB962C8B-B14F-4D97-AF65-F5344CB8AC3E}">
@@ -7873,80 +7237,7 @@
   <p:timing>
     <p:tnLst>
       <p:par>
-        <p:cTn id="1" dur="indefinite" restart="never" nodeType="tmRoot">
-          <p:childTnLst>
-            <p:seq concurrent="1" nextAc="seek">
-              <p:cTn id="2" restart="whenNotActive" fill="hold" evtFilter="cancelBubble" nodeType="interactiveSeq">
-                <p:stCondLst>
-                  <p:cond evt="onClick" delay="0">
-                    <p:tgtEl>
-                      <p:spTgt spid="4"/>
-                    </p:tgtEl>
-                  </p:cond>
-                </p:stCondLst>
-                <p:endSync evt="end" delay="0">
-                  <p:rtn val="all"/>
-                </p:endSync>
-                <p:childTnLst>
-                  <p:par>
-                    <p:cTn id="3" fill="hold">
-                      <p:stCondLst>
-                        <p:cond delay="0"/>
-                      </p:stCondLst>
-                      <p:childTnLst>
-                        <p:par>
-                          <p:cTn id="4" fill="hold">
-                            <p:stCondLst>
-                              <p:cond delay="0"/>
-                            </p:stCondLst>
-                            <p:childTnLst>
-                              <p:par>
-                                <p:cTn id="5" presetID="2" presetClass="mediacall" presetSubtype="0" fill="hold" nodeType="clickEffect">
-                                  <p:stCondLst>
-                                    <p:cond delay="0"/>
-                                  </p:stCondLst>
-                                  <p:childTnLst>
-                                    <p:cmd type="call" cmd="togglePause">
-                                      <p:cBhvr>
-                                        <p:cTn id="6" dur="1" fill="hold"/>
-                                        <p:tgtEl>
-                                          <p:spTgt spid="4"/>
-                                        </p:tgtEl>
-                                      </p:cBhvr>
-                                    </p:cmd>
-                                  </p:childTnLst>
-                                </p:cTn>
-                              </p:par>
-                            </p:childTnLst>
-                          </p:cTn>
-                        </p:par>
-                      </p:childTnLst>
-                    </p:cTn>
-                  </p:par>
-                </p:childTnLst>
-              </p:cTn>
-              <p:nextCondLst>
-                <p:cond evt="onClick" delay="0">
-                  <p:tgtEl>
-                    <p:spTgt spid="4"/>
-                  </p:tgtEl>
-                </p:cond>
-              </p:nextCondLst>
-            </p:seq>
-            <p:video>
-              <p:cMediaNode vol="80000">
-                <p:cTn id="7" fill="hold" display="0">
-                  <p:stCondLst>
-                    <p:cond delay="indefinite"/>
-                  </p:stCondLst>
-                </p:cTn>
-                <p:tgtEl>
-                  <p:spTgt spid="4"/>
-                </p:tgtEl>
-              </p:cMediaNode>
-            </p:video>
-          </p:childTnLst>
-        </p:cTn>
+        <p:cTn id="1" dur="indefinite" restart="never" nodeType="tmRoot"/>
       </p:par>
     </p:tnLst>
   </p:timing>
@@ -8239,39 +7530,48 @@
           </a:p>
         </p:txBody>
       </p:sp>
-      <p:pic>
-        <p:nvPicPr>
-          <p:cNvPr id="4" name="2.2.gif">
-            <a:hlinkClick r:id="" action="ppaction://media"/>
+      <p:sp>
+        <p:nvSpPr>
+          <p:cNvPr id="5" name="操作按钮: 影片 4">
+            <a:hlinkClick r:id="rId2" action="ppaction://hlinkfile" highlightClick="1"/>
           </p:cNvPr>
-          <p:cNvPicPr>
-            <a:picLocks noChangeAspect="1"/>
-          </p:cNvPicPr>
-          <p:nvPr>
-            <a:videoFile r:link="rId2"/>
-            <p:extLst>
-              <p:ext uri="{DAA4B4D4-6D71-4841-9C94-3DE7FCFB9230}">
-                <p14:media xmlns:p14="http://schemas.microsoft.com/office/powerpoint/2010/main" r:embed="rId1"/>
-              </p:ext>
-            </p:extLst>
-          </p:nvPr>
-        </p:nvPicPr>
-        <p:blipFill>
-          <a:blip r:embed="rId4"/>
-          <a:stretch>
-            <a:fillRect/>
-          </a:stretch>
-        </p:blipFill>
+          <p:cNvSpPr/>
+          <p:nvPr/>
+        </p:nvSpPr>
         <p:spPr>
           <a:xfrm>
-            <a:off x="1478798" y="2996952"/>
-            <a:ext cx="6006430" cy="3470929"/>
+            <a:off x="1835696" y="4149080"/>
+            <a:ext cx="1042416" cy="1042416"/>
           </a:xfrm>
-          <a:prstGeom prst="rect">
+          <a:prstGeom prst="actionButtonMovie">
             <a:avLst/>
           </a:prstGeom>
         </p:spPr>
-      </p:pic>
+        <p:style>
+          <a:lnRef idx="2">
+            <a:schemeClr val="accent1">
+              <a:shade val="50000"/>
+            </a:schemeClr>
+          </a:lnRef>
+          <a:fillRef idx="1">
+            <a:schemeClr val="accent1"/>
+          </a:fillRef>
+          <a:effectRef idx="0">
+            <a:schemeClr val="accent1"/>
+          </a:effectRef>
+          <a:fontRef idx="minor">
+            <a:schemeClr val="lt1"/>
+          </a:fontRef>
+        </p:style>
+        <p:txBody>
+          <a:bodyPr rtlCol="0" anchor="ctr"/>
+          <a:lstStyle/>
+          <a:p>
+            <a:pPr algn="ctr"/>
+            <a:endParaRPr kumimoji="1" lang="zh-CN" altLang="en-US"/>
+          </a:p>
+        </p:txBody>
+      </p:sp>
     </p:spTree>
     <p:extLst>
       <p:ext uri="{BB962C8B-B14F-4D97-AF65-F5344CB8AC3E}">
@@ -8285,80 +7585,7 @@
   <p:timing>
     <p:tnLst>
       <p:par>
-        <p:cTn id="1" dur="indefinite" restart="never" nodeType="tmRoot">
-          <p:childTnLst>
-            <p:seq concurrent="1" nextAc="seek">
-              <p:cTn id="2" restart="whenNotActive" fill="hold" evtFilter="cancelBubble" nodeType="interactiveSeq">
-                <p:stCondLst>
-                  <p:cond evt="onClick" delay="0">
-                    <p:tgtEl>
-                      <p:spTgt spid="4"/>
-                    </p:tgtEl>
-                  </p:cond>
-                </p:stCondLst>
-                <p:endSync evt="end" delay="0">
-                  <p:rtn val="all"/>
-                </p:endSync>
-                <p:childTnLst>
-                  <p:par>
-                    <p:cTn id="3" fill="hold">
-                      <p:stCondLst>
-                        <p:cond delay="0"/>
-                      </p:stCondLst>
-                      <p:childTnLst>
-                        <p:par>
-                          <p:cTn id="4" fill="hold">
-                            <p:stCondLst>
-                              <p:cond delay="0"/>
-                            </p:stCondLst>
-                            <p:childTnLst>
-                              <p:par>
-                                <p:cTn id="5" presetID="2" presetClass="mediacall" presetSubtype="0" fill="hold" nodeType="clickEffect">
-                                  <p:stCondLst>
-                                    <p:cond delay="0"/>
-                                  </p:stCondLst>
-                                  <p:childTnLst>
-                                    <p:cmd type="call" cmd="togglePause">
-                                      <p:cBhvr>
-                                        <p:cTn id="6" dur="1" fill="hold"/>
-                                        <p:tgtEl>
-                                          <p:spTgt spid="4"/>
-                                        </p:tgtEl>
-                                      </p:cBhvr>
-                                    </p:cmd>
-                                  </p:childTnLst>
-                                </p:cTn>
-                              </p:par>
-                            </p:childTnLst>
-                          </p:cTn>
-                        </p:par>
-                      </p:childTnLst>
-                    </p:cTn>
-                  </p:par>
-                </p:childTnLst>
-              </p:cTn>
-              <p:nextCondLst>
-                <p:cond evt="onClick" delay="0">
-                  <p:tgtEl>
-                    <p:spTgt spid="4"/>
-                  </p:tgtEl>
-                </p:cond>
-              </p:nextCondLst>
-            </p:seq>
-            <p:video>
-              <p:cMediaNode vol="80000">
-                <p:cTn id="7" fill="hold" display="0">
-                  <p:stCondLst>
-                    <p:cond delay="indefinite"/>
-                  </p:stCondLst>
-                </p:cTn>
-                <p:tgtEl>
-                  <p:spTgt spid="4"/>
-                </p:tgtEl>
-              </p:cMediaNode>
-            </p:video>
-          </p:childTnLst>
-        </p:cTn>
+        <p:cTn id="1" dur="indefinite" restart="never" nodeType="tmRoot"/>
       </p:par>
     </p:tnLst>
   </p:timing>
@@ -8638,39 +7865,48 @@
           </a:p>
         </p:txBody>
       </p:sp>
-      <p:pic>
-        <p:nvPicPr>
-          <p:cNvPr id="5" name="2.3.gif">
-            <a:hlinkClick r:id="" action="ppaction://media"/>
+      <p:sp>
+        <p:nvSpPr>
+          <p:cNvPr id="4" name="操作按钮: 影片 3">
+            <a:hlinkClick r:id="rId2" action="ppaction://hlinkfile" highlightClick="1"/>
           </p:cNvPr>
-          <p:cNvPicPr>
-            <a:picLocks noChangeAspect="1"/>
-          </p:cNvPicPr>
-          <p:nvPr>
-            <a:videoFile r:link="rId2"/>
-            <p:extLst>
-              <p:ext uri="{DAA4B4D4-6D71-4841-9C94-3DE7FCFB9230}">
-                <p14:media xmlns:p14="http://schemas.microsoft.com/office/powerpoint/2010/main" r:embed="rId1"/>
-              </p:ext>
-            </p:extLst>
-          </p:nvPr>
-        </p:nvPicPr>
-        <p:blipFill>
-          <a:blip r:embed="rId4"/>
-          <a:stretch>
-            <a:fillRect/>
-          </a:stretch>
-        </p:blipFill>
+          <p:cNvSpPr/>
+          <p:nvPr/>
+        </p:nvSpPr>
         <p:spPr>
           <a:xfrm>
-            <a:off x="755576" y="2792142"/>
-            <a:ext cx="6828284" cy="3945853"/>
+            <a:off x="1403648" y="4725144"/>
+            <a:ext cx="1042416" cy="1042416"/>
           </a:xfrm>
-          <a:prstGeom prst="rect">
+          <a:prstGeom prst="actionButtonMovie">
             <a:avLst/>
           </a:prstGeom>
         </p:spPr>
-      </p:pic>
+        <p:style>
+          <a:lnRef idx="2">
+            <a:schemeClr val="accent1">
+              <a:shade val="50000"/>
+            </a:schemeClr>
+          </a:lnRef>
+          <a:fillRef idx="1">
+            <a:schemeClr val="accent1"/>
+          </a:fillRef>
+          <a:effectRef idx="0">
+            <a:schemeClr val="accent1"/>
+          </a:effectRef>
+          <a:fontRef idx="minor">
+            <a:schemeClr val="lt1"/>
+          </a:fontRef>
+        </p:style>
+        <p:txBody>
+          <a:bodyPr rtlCol="0" anchor="ctr"/>
+          <a:lstStyle/>
+          <a:p>
+            <a:pPr algn="ctr"/>
+            <a:endParaRPr kumimoji="1" lang="zh-CN" altLang="en-US"/>
+          </a:p>
+        </p:txBody>
+      </p:sp>
     </p:spTree>
     <p:extLst>
       <p:ext uri="{BB962C8B-B14F-4D97-AF65-F5344CB8AC3E}">
@@ -8684,80 +7920,7 @@
   <p:timing>
     <p:tnLst>
       <p:par>
-        <p:cTn id="1" dur="indefinite" restart="never" nodeType="tmRoot">
-          <p:childTnLst>
-            <p:seq concurrent="1" nextAc="seek">
-              <p:cTn id="2" restart="whenNotActive" fill="hold" evtFilter="cancelBubble" nodeType="interactiveSeq">
-                <p:stCondLst>
-                  <p:cond evt="onClick" delay="0">
-                    <p:tgtEl>
-                      <p:spTgt spid="5"/>
-                    </p:tgtEl>
-                  </p:cond>
-                </p:stCondLst>
-                <p:endSync evt="end" delay="0">
-                  <p:rtn val="all"/>
-                </p:endSync>
-                <p:childTnLst>
-                  <p:par>
-                    <p:cTn id="3" fill="hold">
-                      <p:stCondLst>
-                        <p:cond delay="0"/>
-                      </p:stCondLst>
-                      <p:childTnLst>
-                        <p:par>
-                          <p:cTn id="4" fill="hold">
-                            <p:stCondLst>
-                              <p:cond delay="0"/>
-                            </p:stCondLst>
-                            <p:childTnLst>
-                              <p:par>
-                                <p:cTn id="5" presetID="2" presetClass="mediacall" presetSubtype="0" fill="hold" nodeType="clickEffect">
-                                  <p:stCondLst>
-                                    <p:cond delay="0"/>
-                                  </p:stCondLst>
-                                  <p:childTnLst>
-                                    <p:cmd type="call" cmd="togglePause">
-                                      <p:cBhvr>
-                                        <p:cTn id="6" dur="1" fill="hold"/>
-                                        <p:tgtEl>
-                                          <p:spTgt spid="5"/>
-                                        </p:tgtEl>
-                                      </p:cBhvr>
-                                    </p:cmd>
-                                  </p:childTnLst>
-                                </p:cTn>
-                              </p:par>
-                            </p:childTnLst>
-                          </p:cTn>
-                        </p:par>
-                      </p:childTnLst>
-                    </p:cTn>
-                  </p:par>
-                </p:childTnLst>
-              </p:cTn>
-              <p:nextCondLst>
-                <p:cond evt="onClick" delay="0">
-                  <p:tgtEl>
-                    <p:spTgt spid="5"/>
-                  </p:tgtEl>
-                </p:cond>
-              </p:nextCondLst>
-            </p:seq>
-            <p:video>
-              <p:cMediaNode vol="80000">
-                <p:cTn id="7" fill="hold" display="0">
-                  <p:stCondLst>
-                    <p:cond delay="indefinite"/>
-                  </p:stCondLst>
-                </p:cTn>
-                <p:tgtEl>
-                  <p:spTgt spid="5"/>
-                </p:tgtEl>
-              </p:cMediaNode>
-            </p:video>
-          </p:childTnLst>
-        </p:cTn>
+        <p:cTn id="1" dur="indefinite" restart="never" nodeType="tmRoot"/>
       </p:par>
     </p:tnLst>
   </p:timing>
@@ -8992,39 +8155,48 @@
           </a:p>
         </p:txBody>
       </p:sp>
-      <p:pic>
-        <p:nvPicPr>
-          <p:cNvPr id="5" name="2.4.gif">
-            <a:hlinkClick r:id="" action="ppaction://media"/>
+      <p:sp>
+        <p:nvSpPr>
+          <p:cNvPr id="4" name="操作按钮: 影片 3">
+            <a:hlinkClick r:id="rId2" action="ppaction://hlinkfile" highlightClick="1"/>
           </p:cNvPr>
-          <p:cNvPicPr>
-            <a:picLocks noChangeAspect="1"/>
-          </p:cNvPicPr>
-          <p:nvPr>
-            <a:videoFile r:link="rId2"/>
-            <p:extLst>
-              <p:ext uri="{DAA4B4D4-6D71-4841-9C94-3DE7FCFB9230}">
-                <p14:media xmlns:p14="http://schemas.microsoft.com/office/powerpoint/2010/main" r:embed="rId1"/>
-              </p:ext>
-            </p:extLst>
-          </p:nvPr>
-        </p:nvPicPr>
-        <p:blipFill>
-          <a:blip r:embed="rId4"/>
-          <a:stretch>
-            <a:fillRect/>
-          </a:stretch>
-        </p:blipFill>
+          <p:cNvSpPr/>
+          <p:nvPr/>
+        </p:nvSpPr>
         <p:spPr>
           <a:xfrm>
-            <a:off x="3203848" y="3313512"/>
-            <a:ext cx="4896544" cy="3418215"/>
+            <a:off x="457200" y="3789040"/>
+            <a:ext cx="1042416" cy="1042416"/>
           </a:xfrm>
-          <a:prstGeom prst="rect">
+          <a:prstGeom prst="actionButtonMovie">
             <a:avLst/>
           </a:prstGeom>
         </p:spPr>
-      </p:pic>
+        <p:style>
+          <a:lnRef idx="2">
+            <a:schemeClr val="accent1">
+              <a:shade val="50000"/>
+            </a:schemeClr>
+          </a:lnRef>
+          <a:fillRef idx="1">
+            <a:schemeClr val="accent1"/>
+          </a:fillRef>
+          <a:effectRef idx="0">
+            <a:schemeClr val="accent1"/>
+          </a:effectRef>
+          <a:fontRef idx="minor">
+            <a:schemeClr val="lt1"/>
+          </a:fontRef>
+        </p:style>
+        <p:txBody>
+          <a:bodyPr rtlCol="0" anchor="ctr"/>
+          <a:lstStyle/>
+          <a:p>
+            <a:pPr algn="ctr"/>
+            <a:endParaRPr kumimoji="1" lang="zh-CN" altLang="en-US"/>
+          </a:p>
+        </p:txBody>
+      </p:sp>
     </p:spTree>
     <p:extLst>
       <p:ext uri="{BB962C8B-B14F-4D97-AF65-F5344CB8AC3E}">
@@ -9038,80 +8210,7 @@
   <p:timing>
     <p:tnLst>
       <p:par>
-        <p:cTn id="1" dur="indefinite" restart="never" nodeType="tmRoot">
-          <p:childTnLst>
-            <p:seq concurrent="1" nextAc="seek">
-              <p:cTn id="2" restart="whenNotActive" fill="hold" evtFilter="cancelBubble" nodeType="interactiveSeq">
-                <p:stCondLst>
-                  <p:cond evt="onClick" delay="0">
-                    <p:tgtEl>
-                      <p:spTgt spid="5"/>
-                    </p:tgtEl>
-                  </p:cond>
-                </p:stCondLst>
-                <p:endSync evt="end" delay="0">
-                  <p:rtn val="all"/>
-                </p:endSync>
-                <p:childTnLst>
-                  <p:par>
-                    <p:cTn id="3" fill="hold">
-                      <p:stCondLst>
-                        <p:cond delay="0"/>
-                      </p:stCondLst>
-                      <p:childTnLst>
-                        <p:par>
-                          <p:cTn id="4" fill="hold">
-                            <p:stCondLst>
-                              <p:cond delay="0"/>
-                            </p:stCondLst>
-                            <p:childTnLst>
-                              <p:par>
-                                <p:cTn id="5" presetID="2" presetClass="mediacall" presetSubtype="0" fill="hold" nodeType="clickEffect">
-                                  <p:stCondLst>
-                                    <p:cond delay="0"/>
-                                  </p:stCondLst>
-                                  <p:childTnLst>
-                                    <p:cmd type="call" cmd="togglePause">
-                                      <p:cBhvr>
-                                        <p:cTn id="6" dur="1" fill="hold"/>
-                                        <p:tgtEl>
-                                          <p:spTgt spid="5"/>
-                                        </p:tgtEl>
-                                      </p:cBhvr>
-                                    </p:cmd>
-                                  </p:childTnLst>
-                                </p:cTn>
-                              </p:par>
-                            </p:childTnLst>
-                          </p:cTn>
-                        </p:par>
-                      </p:childTnLst>
-                    </p:cTn>
-                  </p:par>
-                </p:childTnLst>
-              </p:cTn>
-              <p:nextCondLst>
-                <p:cond evt="onClick" delay="0">
-                  <p:tgtEl>
-                    <p:spTgt spid="5"/>
-                  </p:tgtEl>
-                </p:cond>
-              </p:nextCondLst>
-            </p:seq>
-            <p:video>
-              <p:cMediaNode vol="80000">
-                <p:cTn id="7" fill="hold" display="0">
-                  <p:stCondLst>
-                    <p:cond delay="indefinite"/>
-                  </p:stCondLst>
-                </p:cTn>
-                <p:tgtEl>
-                  <p:spTgt spid="5"/>
-                </p:tgtEl>
-              </p:cMediaNode>
-            </p:video>
-          </p:childTnLst>
-        </p:cTn>
+        <p:cTn id="1" dur="indefinite" restart="never" nodeType="tmRoot"/>
       </p:par>
     </p:tnLst>
   </p:timing>
@@ -9296,39 +8395,48 @@
           </a:p>
         </p:txBody>
       </p:sp>
-      <p:pic>
-        <p:nvPicPr>
-          <p:cNvPr id="4" name="2.5.gif">
-            <a:hlinkClick r:id="" action="ppaction://media"/>
+      <p:sp>
+        <p:nvSpPr>
+          <p:cNvPr id="5" name="操作按钮: 影片 4">
+            <a:hlinkClick r:id="rId2" action="ppaction://hlinkfile" highlightClick="1"/>
           </p:cNvPr>
-          <p:cNvPicPr>
-            <a:picLocks noChangeAspect="1"/>
-          </p:cNvPicPr>
-          <p:nvPr>
-            <a:videoFile r:link="rId2"/>
-            <p:extLst>
-              <p:ext uri="{DAA4B4D4-6D71-4841-9C94-3DE7FCFB9230}">
-                <p14:media xmlns:p14="http://schemas.microsoft.com/office/powerpoint/2010/main" r:embed="rId1"/>
-              </p:ext>
-            </p:extLst>
-          </p:nvPr>
-        </p:nvPicPr>
-        <p:blipFill>
-          <a:blip r:embed="rId4"/>
-          <a:stretch>
-            <a:fillRect/>
-          </a:stretch>
-        </p:blipFill>
+          <p:cNvSpPr/>
+          <p:nvPr/>
+        </p:nvSpPr>
         <p:spPr>
           <a:xfrm>
-            <a:off x="1115615" y="2944979"/>
-            <a:ext cx="6390903" cy="3735954"/>
+            <a:off x="1763688" y="3573016"/>
+            <a:ext cx="1042416" cy="1042416"/>
           </a:xfrm>
-          <a:prstGeom prst="rect">
+          <a:prstGeom prst="actionButtonMovie">
             <a:avLst/>
           </a:prstGeom>
         </p:spPr>
-      </p:pic>
+        <p:style>
+          <a:lnRef idx="2">
+            <a:schemeClr val="accent1">
+              <a:shade val="50000"/>
+            </a:schemeClr>
+          </a:lnRef>
+          <a:fillRef idx="1">
+            <a:schemeClr val="accent1"/>
+          </a:fillRef>
+          <a:effectRef idx="0">
+            <a:schemeClr val="accent1"/>
+          </a:effectRef>
+          <a:fontRef idx="minor">
+            <a:schemeClr val="lt1"/>
+          </a:fontRef>
+        </p:style>
+        <p:txBody>
+          <a:bodyPr rtlCol="0" anchor="ctr"/>
+          <a:lstStyle/>
+          <a:p>
+            <a:pPr algn="ctr"/>
+            <a:endParaRPr kumimoji="1" lang="zh-CN" altLang="en-US"/>
+          </a:p>
+        </p:txBody>
+      </p:sp>
     </p:spTree>
     <p:extLst>
       <p:ext uri="{BB962C8B-B14F-4D97-AF65-F5344CB8AC3E}">
@@ -9342,80 +8450,7 @@
   <p:timing>
     <p:tnLst>
       <p:par>
-        <p:cTn id="1" dur="indefinite" restart="never" nodeType="tmRoot">
-          <p:childTnLst>
-            <p:seq concurrent="1" nextAc="seek">
-              <p:cTn id="2" restart="whenNotActive" fill="hold" evtFilter="cancelBubble" nodeType="interactiveSeq">
-                <p:stCondLst>
-                  <p:cond evt="onClick" delay="0">
-                    <p:tgtEl>
-                      <p:spTgt spid="4"/>
-                    </p:tgtEl>
-                  </p:cond>
-                </p:stCondLst>
-                <p:endSync evt="end" delay="0">
-                  <p:rtn val="all"/>
-                </p:endSync>
-                <p:childTnLst>
-                  <p:par>
-                    <p:cTn id="3" fill="hold">
-                      <p:stCondLst>
-                        <p:cond delay="0"/>
-                      </p:stCondLst>
-                      <p:childTnLst>
-                        <p:par>
-                          <p:cTn id="4" fill="hold">
-                            <p:stCondLst>
-                              <p:cond delay="0"/>
-                            </p:stCondLst>
-                            <p:childTnLst>
-                              <p:par>
-                                <p:cTn id="5" presetID="2" presetClass="mediacall" presetSubtype="0" fill="hold" nodeType="clickEffect">
-                                  <p:stCondLst>
-                                    <p:cond delay="0"/>
-                                  </p:stCondLst>
-                                  <p:childTnLst>
-                                    <p:cmd type="call" cmd="togglePause">
-                                      <p:cBhvr>
-                                        <p:cTn id="6" dur="1" fill="hold"/>
-                                        <p:tgtEl>
-                                          <p:spTgt spid="4"/>
-                                        </p:tgtEl>
-                                      </p:cBhvr>
-                                    </p:cmd>
-                                  </p:childTnLst>
-                                </p:cTn>
-                              </p:par>
-                            </p:childTnLst>
-                          </p:cTn>
-                        </p:par>
-                      </p:childTnLst>
-                    </p:cTn>
-                  </p:par>
-                </p:childTnLst>
-              </p:cTn>
-              <p:nextCondLst>
-                <p:cond evt="onClick" delay="0">
-                  <p:tgtEl>
-                    <p:spTgt spid="4"/>
-                  </p:tgtEl>
-                </p:cond>
-              </p:nextCondLst>
-            </p:seq>
-            <p:video>
-              <p:cMediaNode vol="80000">
-                <p:cTn id="7" fill="hold" display="0">
-                  <p:stCondLst>
-                    <p:cond delay="indefinite"/>
-                  </p:stCondLst>
-                </p:cTn>
-                <p:tgtEl>
-                  <p:spTgt spid="4"/>
-                </p:tgtEl>
-              </p:cMediaNode>
-            </p:video>
-          </p:childTnLst>
-        </p:cTn>
+        <p:cTn id="1" dur="indefinite" restart="never" nodeType="tmRoot"/>
       </p:par>
     </p:tnLst>
   </p:timing>
@@ -9572,39 +8607,48 @@
           </a:p>
         </p:txBody>
       </p:sp>
-      <p:pic>
-        <p:nvPicPr>
-          <p:cNvPr id="4" name="2.6.gif">
-            <a:hlinkClick r:id="" action="ppaction://media"/>
+      <p:sp>
+        <p:nvSpPr>
+          <p:cNvPr id="5" name="操作按钮: 影片 4">
+            <a:hlinkClick r:id="rId2" action="ppaction://hlinkfile" highlightClick="1"/>
           </p:cNvPr>
-          <p:cNvPicPr>
-            <a:picLocks noChangeAspect="1"/>
-          </p:cNvPicPr>
-          <p:nvPr>
-            <a:videoFile r:link="rId2"/>
-            <p:extLst>
-              <p:ext uri="{DAA4B4D4-6D71-4841-9C94-3DE7FCFB9230}">
-                <p14:media xmlns:p14="http://schemas.microsoft.com/office/powerpoint/2010/main" r:embed="rId1"/>
-              </p:ext>
-            </p:extLst>
-          </p:nvPr>
-        </p:nvPicPr>
-        <p:blipFill>
-          <a:blip r:embed="rId4"/>
-          <a:stretch>
-            <a:fillRect/>
-          </a:stretch>
-        </p:blipFill>
+          <p:cNvSpPr/>
+          <p:nvPr/>
+        </p:nvSpPr>
         <p:spPr>
           <a:xfrm>
-            <a:off x="1043608" y="2924944"/>
-            <a:ext cx="6318895" cy="3693860"/>
+            <a:off x="2699792" y="4509120"/>
+            <a:ext cx="1042416" cy="1042416"/>
           </a:xfrm>
-          <a:prstGeom prst="rect">
+          <a:prstGeom prst="actionButtonMovie">
             <a:avLst/>
           </a:prstGeom>
         </p:spPr>
-      </p:pic>
+        <p:style>
+          <a:lnRef idx="2">
+            <a:schemeClr val="accent1">
+              <a:shade val="50000"/>
+            </a:schemeClr>
+          </a:lnRef>
+          <a:fillRef idx="1">
+            <a:schemeClr val="accent1"/>
+          </a:fillRef>
+          <a:effectRef idx="0">
+            <a:schemeClr val="accent1"/>
+          </a:effectRef>
+          <a:fontRef idx="minor">
+            <a:schemeClr val="lt1"/>
+          </a:fontRef>
+        </p:style>
+        <p:txBody>
+          <a:bodyPr rtlCol="0" anchor="ctr"/>
+          <a:lstStyle/>
+          <a:p>
+            <a:pPr algn="ctr"/>
+            <a:endParaRPr kumimoji="1" lang="zh-CN" altLang="en-US"/>
+          </a:p>
+        </p:txBody>
+      </p:sp>
     </p:spTree>
     <p:extLst>
       <p:ext uri="{BB962C8B-B14F-4D97-AF65-F5344CB8AC3E}">
@@ -9618,80 +8662,7 @@
   <p:timing>
     <p:tnLst>
       <p:par>
-        <p:cTn id="1" dur="indefinite" restart="never" nodeType="tmRoot">
-          <p:childTnLst>
-            <p:seq concurrent="1" nextAc="seek">
-              <p:cTn id="2" restart="whenNotActive" fill="hold" evtFilter="cancelBubble" nodeType="interactiveSeq">
-                <p:stCondLst>
-                  <p:cond evt="onClick" delay="0">
-                    <p:tgtEl>
-                      <p:spTgt spid="4"/>
-                    </p:tgtEl>
-                  </p:cond>
-                </p:stCondLst>
-                <p:endSync evt="end" delay="0">
-                  <p:rtn val="all"/>
-                </p:endSync>
-                <p:childTnLst>
-                  <p:par>
-                    <p:cTn id="3" fill="hold">
-                      <p:stCondLst>
-                        <p:cond delay="0"/>
-                      </p:stCondLst>
-                      <p:childTnLst>
-                        <p:par>
-                          <p:cTn id="4" fill="hold">
-                            <p:stCondLst>
-                              <p:cond delay="0"/>
-                            </p:stCondLst>
-                            <p:childTnLst>
-                              <p:par>
-                                <p:cTn id="5" presetID="2" presetClass="mediacall" presetSubtype="0" fill="hold" nodeType="clickEffect">
-                                  <p:stCondLst>
-                                    <p:cond delay="0"/>
-                                  </p:stCondLst>
-                                  <p:childTnLst>
-                                    <p:cmd type="call" cmd="togglePause">
-                                      <p:cBhvr>
-                                        <p:cTn id="6" dur="1" fill="hold"/>
-                                        <p:tgtEl>
-                                          <p:spTgt spid="4"/>
-                                        </p:tgtEl>
-                                      </p:cBhvr>
-                                    </p:cmd>
-                                  </p:childTnLst>
-                                </p:cTn>
-                              </p:par>
-                            </p:childTnLst>
-                          </p:cTn>
-                        </p:par>
-                      </p:childTnLst>
-                    </p:cTn>
-                  </p:par>
-                </p:childTnLst>
-              </p:cTn>
-              <p:nextCondLst>
-                <p:cond evt="onClick" delay="0">
-                  <p:tgtEl>
-                    <p:spTgt spid="4"/>
-                  </p:tgtEl>
-                </p:cond>
-              </p:nextCondLst>
-            </p:seq>
-            <p:video>
-              <p:cMediaNode vol="80000">
-                <p:cTn id="7" fill="hold" display="0">
-                  <p:stCondLst>
-                    <p:cond delay="indefinite"/>
-                  </p:stCondLst>
-                </p:cTn>
-                <p:tgtEl>
-                  <p:spTgt spid="4"/>
-                </p:tgtEl>
-              </p:cMediaNode>
-            </p:video>
-          </p:childTnLst>
-        </p:cTn>
+        <p:cTn id="1" dur="indefinite" restart="never" nodeType="tmRoot"/>
       </p:par>
     </p:tnLst>
   </p:timing>
@@ -9863,39 +8834,48 @@
           </a:p>
         </p:txBody>
       </p:sp>
-      <p:pic>
-        <p:nvPicPr>
-          <p:cNvPr id="4" name="2.7.gif">
-            <a:hlinkClick r:id="" action="ppaction://media"/>
+      <p:sp>
+        <p:nvSpPr>
+          <p:cNvPr id="5" name="操作按钮: 影片 4">
+            <a:hlinkClick r:id="rId2" action="ppaction://hlinkfile" highlightClick="1"/>
           </p:cNvPr>
-          <p:cNvPicPr>
-            <a:picLocks noChangeAspect="1"/>
-          </p:cNvPicPr>
-          <p:nvPr>
-            <a:videoFile r:link="rId2"/>
-            <p:extLst>
-              <p:ext uri="{DAA4B4D4-6D71-4841-9C94-3DE7FCFB9230}">
-                <p14:media xmlns:p14="http://schemas.microsoft.com/office/powerpoint/2010/main" r:embed="rId1"/>
-              </p:ext>
-            </p:extLst>
-          </p:nvPr>
-        </p:nvPicPr>
-        <p:blipFill>
-          <a:blip r:embed="rId4"/>
-          <a:stretch>
-            <a:fillRect/>
-          </a:stretch>
-        </p:blipFill>
+          <p:cNvSpPr/>
+          <p:nvPr/>
+        </p:nvSpPr>
         <p:spPr>
           <a:xfrm>
-            <a:off x="971600" y="2954743"/>
-            <a:ext cx="6039768" cy="3530690"/>
+            <a:off x="1907704" y="4941168"/>
+            <a:ext cx="1042416" cy="1042416"/>
           </a:xfrm>
-          <a:prstGeom prst="rect">
+          <a:prstGeom prst="actionButtonMovie">
             <a:avLst/>
           </a:prstGeom>
         </p:spPr>
-      </p:pic>
+        <p:style>
+          <a:lnRef idx="2">
+            <a:schemeClr val="accent1">
+              <a:shade val="50000"/>
+            </a:schemeClr>
+          </a:lnRef>
+          <a:fillRef idx="1">
+            <a:schemeClr val="accent1"/>
+          </a:fillRef>
+          <a:effectRef idx="0">
+            <a:schemeClr val="accent1"/>
+          </a:effectRef>
+          <a:fontRef idx="minor">
+            <a:schemeClr val="lt1"/>
+          </a:fontRef>
+        </p:style>
+        <p:txBody>
+          <a:bodyPr rtlCol="0" anchor="ctr"/>
+          <a:lstStyle/>
+          <a:p>
+            <a:pPr algn="ctr"/>
+            <a:endParaRPr kumimoji="1" lang="zh-CN" altLang="en-US"/>
+          </a:p>
+        </p:txBody>
+      </p:sp>
     </p:spTree>
     <p:extLst>
       <p:ext uri="{BB962C8B-B14F-4D97-AF65-F5344CB8AC3E}">
@@ -9909,80 +8889,7 @@
   <p:timing>
     <p:tnLst>
       <p:par>
-        <p:cTn id="1" dur="indefinite" restart="never" nodeType="tmRoot">
-          <p:childTnLst>
-            <p:seq concurrent="1" nextAc="seek">
-              <p:cTn id="2" restart="whenNotActive" fill="hold" evtFilter="cancelBubble" nodeType="interactiveSeq">
-                <p:stCondLst>
-                  <p:cond evt="onClick" delay="0">
-                    <p:tgtEl>
-                      <p:spTgt spid="4"/>
-                    </p:tgtEl>
-                  </p:cond>
-                </p:stCondLst>
-                <p:endSync evt="end" delay="0">
-                  <p:rtn val="all"/>
-                </p:endSync>
-                <p:childTnLst>
-                  <p:par>
-                    <p:cTn id="3" fill="hold">
-                      <p:stCondLst>
-                        <p:cond delay="0"/>
-                      </p:stCondLst>
-                      <p:childTnLst>
-                        <p:par>
-                          <p:cTn id="4" fill="hold">
-                            <p:stCondLst>
-                              <p:cond delay="0"/>
-                            </p:stCondLst>
-                            <p:childTnLst>
-                              <p:par>
-                                <p:cTn id="5" presetID="2" presetClass="mediacall" presetSubtype="0" fill="hold" nodeType="clickEffect">
-                                  <p:stCondLst>
-                                    <p:cond delay="0"/>
-                                  </p:stCondLst>
-                                  <p:childTnLst>
-                                    <p:cmd type="call" cmd="togglePause">
-                                      <p:cBhvr>
-                                        <p:cTn id="6" dur="1" fill="hold"/>
-                                        <p:tgtEl>
-                                          <p:spTgt spid="4"/>
-                                        </p:tgtEl>
-                                      </p:cBhvr>
-                                    </p:cmd>
-                                  </p:childTnLst>
-                                </p:cTn>
-                              </p:par>
-                            </p:childTnLst>
-                          </p:cTn>
-                        </p:par>
-                      </p:childTnLst>
-                    </p:cTn>
-                  </p:par>
-                </p:childTnLst>
-              </p:cTn>
-              <p:nextCondLst>
-                <p:cond evt="onClick" delay="0">
-                  <p:tgtEl>
-                    <p:spTgt spid="4"/>
-                  </p:tgtEl>
-                </p:cond>
-              </p:nextCondLst>
-            </p:seq>
-            <p:video>
-              <p:cMediaNode vol="80000">
-                <p:cTn id="7" fill="hold" display="0">
-                  <p:stCondLst>
-                    <p:cond delay="indefinite"/>
-                  </p:stCondLst>
-                </p:cTn>
-                <p:tgtEl>
-                  <p:spTgt spid="4"/>
-                </p:tgtEl>
-              </p:cMediaNode>
-            </p:video>
-          </p:childTnLst>
-        </p:cTn>
+        <p:cTn id="1" dur="indefinite" restart="never" nodeType="tmRoot"/>
       </p:par>
     </p:tnLst>
   </p:timing>
@@ -10132,39 +9039,48 @@
           </a:p>
         </p:txBody>
       </p:sp>
-      <p:pic>
-        <p:nvPicPr>
-          <p:cNvPr id="4" name="2.8.gif">
-            <a:hlinkClick r:id="" action="ppaction://media"/>
+      <p:sp>
+        <p:nvSpPr>
+          <p:cNvPr id="5" name="操作按钮: 影片 4">
+            <a:hlinkClick r:id="rId2" action="ppaction://hlinkfile" highlightClick="1"/>
           </p:cNvPr>
-          <p:cNvPicPr>
-            <a:picLocks noChangeAspect="1"/>
-          </p:cNvPicPr>
-          <p:nvPr>
-            <a:videoFile r:link="rId2"/>
-            <p:extLst>
-              <p:ext uri="{DAA4B4D4-6D71-4841-9C94-3DE7FCFB9230}">
-                <p14:media xmlns:p14="http://schemas.microsoft.com/office/powerpoint/2010/main" r:embed="rId1"/>
-              </p:ext>
-            </p:extLst>
-          </p:nvPr>
-        </p:nvPicPr>
-        <p:blipFill>
-          <a:blip r:embed="rId4"/>
-          <a:stretch>
-            <a:fillRect/>
-          </a:stretch>
-        </p:blipFill>
+          <p:cNvSpPr/>
+          <p:nvPr/>
+        </p:nvSpPr>
         <p:spPr>
           <a:xfrm>
-            <a:off x="1403648" y="2852936"/>
-            <a:ext cx="5679728" cy="3320220"/>
+            <a:off x="1259632" y="3645024"/>
+            <a:ext cx="1042416" cy="1042416"/>
           </a:xfrm>
-          <a:prstGeom prst="rect">
+          <a:prstGeom prst="actionButtonMovie">
             <a:avLst/>
           </a:prstGeom>
         </p:spPr>
-      </p:pic>
+        <p:style>
+          <a:lnRef idx="2">
+            <a:schemeClr val="accent1">
+              <a:shade val="50000"/>
+            </a:schemeClr>
+          </a:lnRef>
+          <a:fillRef idx="1">
+            <a:schemeClr val="accent1"/>
+          </a:fillRef>
+          <a:effectRef idx="0">
+            <a:schemeClr val="accent1"/>
+          </a:effectRef>
+          <a:fontRef idx="minor">
+            <a:schemeClr val="lt1"/>
+          </a:fontRef>
+        </p:style>
+        <p:txBody>
+          <a:bodyPr rtlCol="0" anchor="ctr"/>
+          <a:lstStyle/>
+          <a:p>
+            <a:pPr algn="ctr"/>
+            <a:endParaRPr kumimoji="1" lang="zh-CN" altLang="en-US"/>
+          </a:p>
+        </p:txBody>
+      </p:sp>
     </p:spTree>
     <p:extLst>
       <p:ext uri="{BB962C8B-B14F-4D97-AF65-F5344CB8AC3E}">
@@ -10178,80 +9094,7 @@
   <p:timing>
     <p:tnLst>
       <p:par>
-        <p:cTn id="1" dur="indefinite" restart="never" nodeType="tmRoot">
-          <p:childTnLst>
-            <p:seq concurrent="1" nextAc="seek">
-              <p:cTn id="2" restart="whenNotActive" fill="hold" evtFilter="cancelBubble" nodeType="interactiveSeq">
-                <p:stCondLst>
-                  <p:cond evt="onClick" delay="0">
-                    <p:tgtEl>
-                      <p:spTgt spid="4"/>
-                    </p:tgtEl>
-                  </p:cond>
-                </p:stCondLst>
-                <p:endSync evt="end" delay="0">
-                  <p:rtn val="all"/>
-                </p:endSync>
-                <p:childTnLst>
-                  <p:par>
-                    <p:cTn id="3" fill="hold">
-                      <p:stCondLst>
-                        <p:cond delay="0"/>
-                      </p:stCondLst>
-                      <p:childTnLst>
-                        <p:par>
-                          <p:cTn id="4" fill="hold">
-                            <p:stCondLst>
-                              <p:cond delay="0"/>
-                            </p:stCondLst>
-                            <p:childTnLst>
-                              <p:par>
-                                <p:cTn id="5" presetID="2" presetClass="mediacall" presetSubtype="0" fill="hold" nodeType="clickEffect">
-                                  <p:stCondLst>
-                                    <p:cond delay="0"/>
-                                  </p:stCondLst>
-                                  <p:childTnLst>
-                                    <p:cmd type="call" cmd="togglePause">
-                                      <p:cBhvr>
-                                        <p:cTn id="6" dur="1" fill="hold"/>
-                                        <p:tgtEl>
-                                          <p:spTgt spid="4"/>
-                                        </p:tgtEl>
-                                      </p:cBhvr>
-                                    </p:cmd>
-                                  </p:childTnLst>
-                                </p:cTn>
-                              </p:par>
-                            </p:childTnLst>
-                          </p:cTn>
-                        </p:par>
-                      </p:childTnLst>
-                    </p:cTn>
-                  </p:par>
-                </p:childTnLst>
-              </p:cTn>
-              <p:nextCondLst>
-                <p:cond evt="onClick" delay="0">
-                  <p:tgtEl>
-                    <p:spTgt spid="4"/>
-                  </p:tgtEl>
-                </p:cond>
-              </p:nextCondLst>
-            </p:seq>
-            <p:video>
-              <p:cMediaNode vol="80000">
-                <p:cTn id="7" fill="hold" display="0">
-                  <p:stCondLst>
-                    <p:cond delay="indefinite"/>
-                  </p:stCondLst>
-                </p:cTn>
-                <p:tgtEl>
-                  <p:spTgt spid="4"/>
-                </p:tgtEl>
-              </p:cMediaNode>
-            </p:video>
-          </p:childTnLst>
-        </p:cTn>
+        <p:cTn id="1" dur="indefinite" restart="never" nodeType="tmRoot"/>
       </p:par>
     </p:tnLst>
   </p:timing>
